--- a/Hack-a-Trip/HACK-A-TRIP.pptx
+++ b/Hack-a-Trip/HACK-A-TRIP.pptx
@@ -10,6 +10,7 @@
     <p:sldId id="258" r:id="rId4"/>
     <p:sldId id="260" r:id="rId5"/>
     <p:sldId id="259" r:id="rId6"/>
+    <p:sldId id="261" r:id="rId7"/>
   </p:sldIdLst>
   <p:sldSz cx="9144000" cy="6858000" type="screen4x3"/>
   <p:notesSz cx="6858000" cy="9144000"/>
@@ -3799,6 +3800,145 @@
     <p:extLst>
       <p:ext uri="{BB962C8B-B14F-4D97-AF65-F5344CB8AC3E}">
         <p14:creationId xmlns:p14="http://schemas.microsoft.com/office/powerpoint/2010/main" val="2040314114"/>
+      </p:ext>
+    </p:extLst>
+  </p:cSld>
+  <p:clrMapOvr>
+    <a:masterClrMapping/>
+  </p:clrMapOvr>
+</p:sld>
+</file>
+
+<file path=ppt/slides/slide6.xml><?xml version="1.0" encoding="utf-8"?>
+<p:sld xmlns:a="http://schemas.openxmlformats.org/drawingml/2006/main" xmlns:r="http://schemas.openxmlformats.org/officeDocument/2006/relationships" xmlns:p="http://schemas.openxmlformats.org/presentationml/2006/main">
+  <p:cSld>
+    <p:spTree>
+      <p:nvGrpSpPr>
+        <p:cNvPr id="1" name=""/>
+        <p:cNvGrpSpPr/>
+        <p:nvPr/>
+      </p:nvGrpSpPr>
+      <p:grpSpPr>
+        <a:xfrm>
+          <a:off x="0" y="0"/>
+          <a:ext cx="0" cy="0"/>
+          <a:chOff x="0" y="0"/>
+          <a:chExt cx="0" cy="0"/>
+        </a:xfrm>
+      </p:grpSpPr>
+      <p:sp>
+        <p:nvSpPr>
+          <p:cNvPr id="2" name="Title 1"/>
+          <p:cNvSpPr>
+            <a:spLocks noGrp="1"/>
+          </p:cNvSpPr>
+          <p:nvPr>
+            <p:ph type="title"/>
+          </p:nvPr>
+        </p:nvSpPr>
+        <p:spPr/>
+        <p:txBody>
+          <a:bodyPr>
+            <a:normAutofit/>
+          </a:bodyPr>
+          <a:lstStyle/>
+          <a:p>
+            <a:r>
+              <a:rPr lang="fr-FR" dirty="0" smtClean="0"/>
+              <a:t>Problème rencontré (1/x)</a:t>
+            </a:r>
+            <a:endParaRPr lang="fr-FR" dirty="0"/>
+          </a:p>
+        </p:txBody>
+      </p:sp>
+      <p:sp>
+        <p:nvSpPr>
+          <p:cNvPr id="3" name="Content Placeholder 2"/>
+          <p:cNvSpPr>
+            <a:spLocks noGrp="1"/>
+          </p:cNvSpPr>
+          <p:nvPr>
+            <p:ph idx="1"/>
+          </p:nvPr>
+        </p:nvSpPr>
+        <p:spPr/>
+        <p:txBody>
+          <a:bodyPr/>
+          <a:lstStyle/>
+          <a:p>
+            <a:pPr marL="0" indent="0">
+              <a:buNone/>
+            </a:pPr>
+            <a:r>
+              <a:rPr lang="fr-FR" b="1" u="sng" dirty="0" smtClean="0"/>
+              <a:t>Technologique :</a:t>
+            </a:r>
+          </a:p>
+          <a:p>
+            <a:pPr>
+              <a:buFontTx/>
+              <a:buChar char="-"/>
+            </a:pPr>
+            <a:r>
+              <a:rPr lang="fr-FR" sz="2000" dirty="0" smtClean="0"/>
+              <a:t>Le technologie choisi (J2E) n’était pas connu et maitriser de tous les membres du groupe ce qui a forcément posé des problèmes. Ce n’est pas très pertinent pour l’exercice, qui est très cours dans le temps, mais nous voulions en profiter pour apprendre une nouvelle technologie.</a:t>
+            </a:r>
+          </a:p>
+          <a:p>
+            <a:pPr>
+              <a:buFontTx/>
+              <a:buChar char="-"/>
+            </a:pPr>
+            <a:r>
+              <a:rPr lang="fr-FR" sz="2000" dirty="0" err="1" smtClean="0"/>
+              <a:t>Github</a:t>
+            </a:r>
+            <a:r>
+              <a:rPr lang="fr-FR" sz="2000" dirty="0" smtClean="0"/>
+              <a:t> : Le gestionnaire nous a posé beaucoup de problème car nous étions pas habitué à l’utiliser.</a:t>
+            </a:r>
+          </a:p>
+          <a:p>
+            <a:pPr marL="0" indent="0">
+              <a:buNone/>
+            </a:pPr>
+            <a:r>
+              <a:rPr lang="fr-FR" b="1" u="sng" dirty="0" smtClean="0"/>
+              <a:t>Organisation :</a:t>
+            </a:r>
+          </a:p>
+          <a:p>
+            <a:pPr>
+              <a:buFontTx/>
+              <a:buChar char="-"/>
+            </a:pPr>
+            <a:r>
+              <a:rPr lang="fr-FR" sz="2000" dirty="0" smtClean="0"/>
+              <a:t>Absence d’objectif : Pendant le 1</a:t>
+            </a:r>
+            <a:r>
+              <a:rPr lang="fr-FR" sz="2000" baseline="30000" dirty="0" smtClean="0"/>
+              <a:t>er</a:t>
+            </a:r>
+            <a:r>
+              <a:rPr lang="fr-FR" sz="2000" dirty="0" smtClean="0"/>
+              <a:t> jour, nous n’avons pas fixé d’objectif à court terme. Nous étions tous un peu perdu et avancions lentement. Cela a été corriger le 2</a:t>
+            </a:r>
+            <a:r>
+              <a:rPr lang="fr-FR" sz="2000" baseline="30000" dirty="0" smtClean="0"/>
+              <a:t>ème</a:t>
+            </a:r>
+            <a:r>
+              <a:rPr lang="fr-FR" sz="2000" dirty="0" smtClean="0"/>
+              <a:t> jour où l’objectif était claire et du coup les fonctions à faire simple et rapide à mettre en place.</a:t>
+            </a:r>
+          </a:p>
+        </p:txBody>
+      </p:sp>
+    </p:spTree>
+    <p:extLst>
+      <p:ext uri="{BB962C8B-B14F-4D97-AF65-F5344CB8AC3E}">
+        <p14:creationId xmlns:p14="http://schemas.microsoft.com/office/powerpoint/2010/main" val="2359545810"/>
       </p:ext>
     </p:extLst>
   </p:cSld>

--- a/Hack-a-Trip/HACK-A-TRIP.pptx
+++ b/Hack-a-Trip/HACK-A-TRIP.pptx
@@ -2,7 +2,7 @@
 <file path=ppt/presentation.xml><?xml version="1.0" encoding="utf-8"?>
 <p:presentation xmlns:a="http://schemas.openxmlformats.org/drawingml/2006/main" xmlns:r="http://schemas.openxmlformats.org/officeDocument/2006/relationships" xmlns:p="http://schemas.openxmlformats.org/presentationml/2006/main" saveSubsetFonts="1">
   <p:sldMasterIdLst>
-    <p:sldMasterId id="2147483648" r:id="rId1"/>
+    <p:sldMasterId id="2147483708" r:id="rId1"/>
   </p:sldMasterIdLst>
   <p:sldIdLst>
     <p:sldId id="256" r:id="rId2"/>
@@ -131,7 +131,7 @@
       </p:grpSpPr>
       <p:sp>
         <p:nvSpPr>
-          <p:cNvPr id="2" name="Title 1"/>
+          <p:cNvPr id="8" name="Title 7"/>
           <p:cNvSpPr>
             <a:spLocks noGrp="1"/>
           </p:cNvSpPr>
@@ -141,144 +141,74 @@
         </p:nvSpPr>
         <p:spPr>
           <a:xfrm>
-            <a:off x="685800" y="2130425"/>
-            <a:ext cx="7772400" cy="1470025"/>
+            <a:off x="422030" y="1371600"/>
+            <a:ext cx="8229600" cy="1828800"/>
           </a:xfrm>
         </p:spPr>
         <p:txBody>
-          <a:bodyPr/>
-          <a:lstStyle/>
-          <a:p>
-            <a:r>
-              <a:rPr lang="en-US" smtClean="0"/>
-              <a:t>Click to edit Master title style</a:t>
-            </a:r>
-            <a:endParaRPr lang="fr-FR"/>
-          </a:p>
-        </p:txBody>
-      </p:sp>
-      <p:sp>
-        <p:nvSpPr>
-          <p:cNvPr id="3" name="Subtitle 2"/>
-          <p:cNvSpPr>
-            <a:spLocks noGrp="1"/>
-          </p:cNvSpPr>
-          <p:nvPr>
-            <p:ph type="subTitle" idx="1"/>
-          </p:nvPr>
-        </p:nvSpPr>
-        <p:spPr>
-          <a:xfrm>
-            <a:off x="1371600" y="3886200"/>
-            <a:ext cx="6400800" cy="1752600"/>
-          </a:xfrm>
-        </p:spPr>
-        <p:txBody>
-          <a:bodyPr/>
+          <a:bodyPr vert="horz" lIns="45720" tIns="0" rIns="45720" bIns="0" anchor="b">
+            <a:normAutofit/>
+            <a:scene3d>
+              <a:camera prst="orthographicFront"/>
+              <a:lightRig rig="soft" dir="t">
+                <a:rot lat="0" lon="0" rev="17220000"/>
+              </a:lightRig>
+            </a:scene3d>
+            <a:sp3d prstMaterial="softEdge">
+              <a:bevelT w="38100" h="38100"/>
+            </a:sp3d>
+          </a:bodyPr>
           <a:lstStyle>
-            <a:lvl1pPr marL="0" indent="0" algn="ctr">
-              <a:buNone/>
-              <a:defRPr>
-                <a:solidFill>
-                  <a:schemeClr val="tx1">
-                    <a:tint val="75000"/>
-                  </a:schemeClr>
-                </a:solidFill>
+            <a:lvl1pPr>
+              <a:defRPr sz="4800" b="1" cap="all" baseline="0">
+                <a:ln w="6350">
+                  <a:noFill/>
+                </a:ln>
+                <a:gradFill>
+                  <a:gsLst>
+                    <a:gs pos="0">
+                      <a:schemeClr val="accent1">
+                        <a:tint val="73000"/>
+                        <a:satMod val="145000"/>
+                      </a:schemeClr>
+                    </a:gs>
+                    <a:gs pos="73000">
+                      <a:schemeClr val="accent1">
+                        <a:tint val="73000"/>
+                        <a:satMod val="145000"/>
+                      </a:schemeClr>
+                    </a:gs>
+                    <a:gs pos="100000">
+                      <a:schemeClr val="accent1">
+                        <a:tint val="83000"/>
+                        <a:satMod val="143000"/>
+                      </a:schemeClr>
+                    </a:gs>
+                  </a:gsLst>
+                  <a:lin ang="4800000" scaled="1"/>
+                </a:gradFill>
+                <a:effectLst>
+                  <a:outerShdw blurRad="127000" dist="200000" dir="2700000" algn="tl" rotWithShape="0">
+                    <a:srgbClr val="000000">
+                      <a:alpha val="30000"/>
+                    </a:srgbClr>
+                  </a:outerShdw>
+                </a:effectLst>
               </a:defRPr>
             </a:lvl1pPr>
-            <a:lvl2pPr marL="457200" indent="0" algn="ctr">
-              <a:buNone/>
-              <a:defRPr>
-                <a:solidFill>
-                  <a:schemeClr val="tx1">
-                    <a:tint val="75000"/>
-                  </a:schemeClr>
-                </a:solidFill>
-              </a:defRPr>
-            </a:lvl2pPr>
-            <a:lvl3pPr marL="914400" indent="0" algn="ctr">
-              <a:buNone/>
-              <a:defRPr>
-                <a:solidFill>
-                  <a:schemeClr val="tx1">
-                    <a:tint val="75000"/>
-                  </a:schemeClr>
-                </a:solidFill>
-              </a:defRPr>
-            </a:lvl3pPr>
-            <a:lvl4pPr marL="1371600" indent="0" algn="ctr">
-              <a:buNone/>
-              <a:defRPr>
-                <a:solidFill>
-                  <a:schemeClr val="tx1">
-                    <a:tint val="75000"/>
-                  </a:schemeClr>
-                </a:solidFill>
-              </a:defRPr>
-            </a:lvl4pPr>
-            <a:lvl5pPr marL="1828800" indent="0" algn="ctr">
-              <a:buNone/>
-              <a:defRPr>
-                <a:solidFill>
-                  <a:schemeClr val="tx1">
-                    <a:tint val="75000"/>
-                  </a:schemeClr>
-                </a:solidFill>
-              </a:defRPr>
-            </a:lvl5pPr>
-            <a:lvl6pPr marL="2286000" indent="0" algn="ctr">
-              <a:buNone/>
-              <a:defRPr>
-                <a:solidFill>
-                  <a:schemeClr val="tx1">
-                    <a:tint val="75000"/>
-                  </a:schemeClr>
-                </a:solidFill>
-              </a:defRPr>
-            </a:lvl6pPr>
-            <a:lvl7pPr marL="2743200" indent="0" algn="ctr">
-              <a:buNone/>
-              <a:defRPr>
-                <a:solidFill>
-                  <a:schemeClr val="tx1">
-                    <a:tint val="75000"/>
-                  </a:schemeClr>
-                </a:solidFill>
-              </a:defRPr>
-            </a:lvl7pPr>
-            <a:lvl8pPr marL="3200400" indent="0" algn="ctr">
-              <a:buNone/>
-              <a:defRPr>
-                <a:solidFill>
-                  <a:schemeClr val="tx1">
-                    <a:tint val="75000"/>
-                  </a:schemeClr>
-                </a:solidFill>
-              </a:defRPr>
-            </a:lvl8pPr>
-            <a:lvl9pPr marL="3657600" indent="0" algn="ctr">
-              <a:buNone/>
-              <a:defRPr>
-                <a:solidFill>
-                  <a:schemeClr val="tx1">
-                    <a:tint val="75000"/>
-                  </a:schemeClr>
-                </a:solidFill>
-              </a:defRPr>
-            </a:lvl9pPr>
           </a:lstStyle>
           <a:p>
             <a:r>
-              <a:rPr lang="en-US" smtClean="0"/>
-              <a:t>Click to edit Master subtitle style</a:t>
-            </a:r>
-            <a:endParaRPr lang="fr-FR"/>
-          </a:p>
-        </p:txBody>
-      </p:sp>
-      <p:sp>
-        <p:nvSpPr>
-          <p:cNvPr id="4" name="Date Placeholder 3"/>
+              <a:rPr kumimoji="0" lang="en-US" smtClean="0"/>
+              <a:t>Click to edit Master title style</a:t>
+            </a:r>
+            <a:endParaRPr kumimoji="0" lang="en-US"/>
+          </a:p>
+        </p:txBody>
+      </p:sp>
+      <p:sp>
+        <p:nvSpPr>
+          <p:cNvPr id="28" name="Date Placeholder 27"/>
           <p:cNvSpPr>
             <a:spLocks noGrp="1"/>
           </p:cNvSpPr>
@@ -301,7 +231,7 @@
       </p:sp>
       <p:sp>
         <p:nvSpPr>
-          <p:cNvPr id="5" name="Footer Placeholder 4"/>
+          <p:cNvPr id="17" name="Footer Placeholder 16"/>
           <p:cNvSpPr>
             <a:spLocks noGrp="1"/>
           </p:cNvSpPr>
@@ -320,7 +250,7 @@
       </p:sp>
       <p:sp>
         <p:nvSpPr>
-          <p:cNvPr id="6" name="Slide Number Placeholder 5"/>
+          <p:cNvPr id="29" name="Slide Number Placeholder 28"/>
           <p:cNvSpPr>
             <a:spLocks noGrp="1"/>
           </p:cNvSpPr>
@@ -341,12 +271,68 @@
           </a:p>
         </p:txBody>
       </p:sp>
+      <p:sp>
+        <p:nvSpPr>
+          <p:cNvPr id="9" name="Subtitle 8"/>
+          <p:cNvSpPr>
+            <a:spLocks noGrp="1"/>
+          </p:cNvSpPr>
+          <p:nvPr>
+            <p:ph type="subTitle" idx="1"/>
+          </p:nvPr>
+        </p:nvSpPr>
+        <p:spPr>
+          <a:xfrm>
+            <a:off x="1371600" y="3331698"/>
+            <a:ext cx="6400800" cy="1752600"/>
+          </a:xfrm>
+        </p:spPr>
+        <p:txBody>
+          <a:bodyPr/>
+          <a:lstStyle>
+            <a:lvl1pPr marL="0" indent="0" algn="ctr">
+              <a:buNone/>
+              <a:defRPr>
+                <a:solidFill>
+                  <a:schemeClr val="tx1"/>
+                </a:solidFill>
+              </a:defRPr>
+            </a:lvl1pPr>
+            <a:lvl2pPr marL="457200" indent="0" algn="ctr">
+              <a:buNone/>
+            </a:lvl2pPr>
+            <a:lvl3pPr marL="914400" indent="0" algn="ctr">
+              <a:buNone/>
+            </a:lvl3pPr>
+            <a:lvl4pPr marL="1371600" indent="0" algn="ctr">
+              <a:buNone/>
+            </a:lvl4pPr>
+            <a:lvl5pPr marL="1828800" indent="0" algn="ctr">
+              <a:buNone/>
+            </a:lvl5pPr>
+            <a:lvl6pPr marL="2286000" indent="0" algn="ctr">
+              <a:buNone/>
+            </a:lvl6pPr>
+            <a:lvl7pPr marL="2743200" indent="0" algn="ctr">
+              <a:buNone/>
+            </a:lvl7pPr>
+            <a:lvl8pPr marL="3200400" indent="0" algn="ctr">
+              <a:buNone/>
+            </a:lvl8pPr>
+            <a:lvl9pPr marL="3657600" indent="0" algn="ctr">
+              <a:buNone/>
+            </a:lvl9pPr>
+          </a:lstStyle>
+          <a:p>
+            <a:r>
+              <a:rPr kumimoji="0" lang="en-US" smtClean="0"/>
+              <a:t>Click to edit Master subtitle style</a:t>
+            </a:r>
+            <a:endParaRPr kumimoji="0" lang="en-US"/>
+          </a:p>
+        </p:txBody>
+      </p:sp>
     </p:spTree>
-    <p:extLst>
-      <p:ext uri="{BB962C8B-B14F-4D97-AF65-F5344CB8AC3E}">
-        <p14:creationId xmlns:p14="http://schemas.microsoft.com/office/powerpoint/2010/main" val="726741630"/>
-      </p:ext>
-    </p:extLst>
   </p:cSld>
   <p:clrMapOvr>
     <a:masterClrMapping/>
@@ -387,10 +373,10 @@
           <a:lstStyle/>
           <a:p>
             <a:r>
-              <a:rPr lang="en-US" smtClean="0"/>
+              <a:rPr kumimoji="0" lang="en-US" smtClean="0"/>
               <a:t>Click to edit Master title style</a:t>
             </a:r>
-            <a:endParaRPr lang="fr-FR"/>
+            <a:endParaRPr kumimoji="0" lang="en-US"/>
           </a:p>
         </p:txBody>
       </p:sp>
@@ -409,40 +395,40 @@
           <a:bodyPr vert="eaVert"/>
           <a:lstStyle/>
           <a:p>
-            <a:pPr lvl="0"/>
+            <a:pPr lvl="0" eaLnBrk="1" latinLnBrk="0" hangingPunct="1"/>
             <a:r>
               <a:rPr lang="en-US" smtClean="0"/>
               <a:t>Click to edit Master text styles</a:t>
             </a:r>
           </a:p>
           <a:p>
-            <a:pPr lvl="1"/>
+            <a:pPr lvl="1" eaLnBrk="1" latinLnBrk="0" hangingPunct="1"/>
             <a:r>
               <a:rPr lang="en-US" smtClean="0"/>
               <a:t>Second level</a:t>
             </a:r>
           </a:p>
           <a:p>
-            <a:pPr lvl="2"/>
+            <a:pPr lvl="2" eaLnBrk="1" latinLnBrk="0" hangingPunct="1"/>
             <a:r>
               <a:rPr lang="en-US" smtClean="0"/>
               <a:t>Third level</a:t>
             </a:r>
           </a:p>
           <a:p>
-            <a:pPr lvl="3"/>
+            <a:pPr lvl="3" eaLnBrk="1" latinLnBrk="0" hangingPunct="1"/>
             <a:r>
               <a:rPr lang="en-US" smtClean="0"/>
               <a:t>Fourth level</a:t>
             </a:r>
           </a:p>
           <a:p>
-            <a:pPr lvl="4"/>
+            <a:pPr lvl="4" eaLnBrk="1" latinLnBrk="0" hangingPunct="1"/>
             <a:r>
               <a:rPr lang="en-US" smtClean="0"/>
               <a:t>Fifth level</a:t>
             </a:r>
-            <a:endParaRPr lang="fr-FR"/>
+            <a:endParaRPr kumimoji="0" lang="en-US"/>
           </a:p>
         </p:txBody>
       </p:sp>
@@ -512,11 +498,6 @@
         </p:txBody>
       </p:sp>
     </p:spTree>
-    <p:extLst>
-      <p:ext uri="{BB962C8B-B14F-4D97-AF65-F5344CB8AC3E}">
-        <p14:creationId xmlns:p14="http://schemas.microsoft.com/office/powerpoint/2010/main" val="726169768"/>
-      </p:ext>
-    </p:extLst>
   </p:cSld>
   <p:clrMapOvr>
     <a:masterClrMapping/>
@@ -562,10 +543,10 @@
           <a:lstStyle/>
           <a:p>
             <a:r>
-              <a:rPr lang="en-US" smtClean="0"/>
+              <a:rPr kumimoji="0" lang="en-US" smtClean="0"/>
               <a:t>Click to edit Master title style</a:t>
             </a:r>
-            <a:endParaRPr lang="fr-FR"/>
+            <a:endParaRPr kumimoji="0" lang="en-US"/>
           </a:p>
         </p:txBody>
       </p:sp>
@@ -589,40 +570,40 @@
           <a:bodyPr vert="eaVert"/>
           <a:lstStyle/>
           <a:p>
-            <a:pPr lvl="0"/>
+            <a:pPr lvl="0" eaLnBrk="1" latinLnBrk="0" hangingPunct="1"/>
             <a:r>
               <a:rPr lang="en-US" smtClean="0"/>
               <a:t>Click to edit Master text styles</a:t>
             </a:r>
           </a:p>
           <a:p>
-            <a:pPr lvl="1"/>
+            <a:pPr lvl="1" eaLnBrk="1" latinLnBrk="0" hangingPunct="1"/>
             <a:r>
               <a:rPr lang="en-US" smtClean="0"/>
               <a:t>Second level</a:t>
             </a:r>
           </a:p>
           <a:p>
-            <a:pPr lvl="2"/>
+            <a:pPr lvl="2" eaLnBrk="1" latinLnBrk="0" hangingPunct="1"/>
             <a:r>
               <a:rPr lang="en-US" smtClean="0"/>
               <a:t>Third level</a:t>
             </a:r>
           </a:p>
           <a:p>
-            <a:pPr lvl="3"/>
+            <a:pPr lvl="3" eaLnBrk="1" latinLnBrk="0" hangingPunct="1"/>
             <a:r>
               <a:rPr lang="en-US" smtClean="0"/>
               <a:t>Fourth level</a:t>
             </a:r>
           </a:p>
           <a:p>
-            <a:pPr lvl="4"/>
+            <a:pPr lvl="4" eaLnBrk="1" latinLnBrk="0" hangingPunct="1"/>
             <a:r>
               <a:rPr lang="en-US" smtClean="0"/>
               <a:t>Fifth level</a:t>
             </a:r>
-            <a:endParaRPr lang="fr-FR"/>
+            <a:endParaRPr kumimoji="0" lang="en-US"/>
           </a:p>
         </p:txBody>
       </p:sp>
@@ -692,11 +673,6 @@
         </p:txBody>
       </p:sp>
     </p:spTree>
-    <p:extLst>
-      <p:ext uri="{BB962C8B-B14F-4D97-AF65-F5344CB8AC3E}">
-        <p14:creationId xmlns:p14="http://schemas.microsoft.com/office/powerpoint/2010/main" val="3556130494"/>
-      </p:ext>
-    </p:extLst>
   </p:cSld>
   <p:clrMapOvr>
     <a:masterClrMapping/>
@@ -737,10 +713,10 @@
           <a:lstStyle/>
           <a:p>
             <a:r>
-              <a:rPr lang="en-US" smtClean="0"/>
+              <a:rPr kumimoji="0" lang="en-US" smtClean="0"/>
               <a:t>Click to edit Master title style</a:t>
             </a:r>
-            <a:endParaRPr lang="fr-FR"/>
+            <a:endParaRPr kumimoji="0" lang="en-US"/>
           </a:p>
         </p:txBody>
       </p:sp>
@@ -759,40 +735,40 @@
           <a:bodyPr/>
           <a:lstStyle/>
           <a:p>
-            <a:pPr lvl="0"/>
+            <a:pPr lvl="0" eaLnBrk="1" latinLnBrk="0" hangingPunct="1"/>
             <a:r>
               <a:rPr lang="en-US" smtClean="0"/>
               <a:t>Click to edit Master text styles</a:t>
             </a:r>
           </a:p>
           <a:p>
-            <a:pPr lvl="1"/>
+            <a:pPr lvl="1" eaLnBrk="1" latinLnBrk="0" hangingPunct="1"/>
             <a:r>
               <a:rPr lang="en-US" smtClean="0"/>
               <a:t>Second level</a:t>
             </a:r>
           </a:p>
           <a:p>
-            <a:pPr lvl="2"/>
+            <a:pPr lvl="2" eaLnBrk="1" latinLnBrk="0" hangingPunct="1"/>
             <a:r>
               <a:rPr lang="en-US" smtClean="0"/>
               <a:t>Third level</a:t>
             </a:r>
           </a:p>
           <a:p>
-            <a:pPr lvl="3"/>
+            <a:pPr lvl="3" eaLnBrk="1" latinLnBrk="0" hangingPunct="1"/>
             <a:r>
               <a:rPr lang="en-US" smtClean="0"/>
               <a:t>Fourth level</a:t>
             </a:r>
           </a:p>
           <a:p>
-            <a:pPr lvl="4"/>
+            <a:pPr lvl="4" eaLnBrk="1" latinLnBrk="0" hangingPunct="1"/>
             <a:r>
               <a:rPr lang="en-US" smtClean="0"/>
               <a:t>Fifth level</a:t>
             </a:r>
-            <a:endParaRPr lang="fr-FR"/>
+            <a:endParaRPr kumimoji="0" lang="en-US"/>
           </a:p>
         </p:txBody>
       </p:sp>
@@ -862,11 +838,6 @@
         </p:txBody>
       </p:sp>
     </p:spTree>
-    <p:extLst>
-      <p:ext uri="{BB962C8B-B14F-4D97-AF65-F5344CB8AC3E}">
-        <p14:creationId xmlns:p14="http://schemas.microsoft.com/office/powerpoint/2010/main" val="3896937638"/>
-      </p:ext>
-    </p:extLst>
   </p:cSld>
   <p:clrMapOvr>
     <a:masterClrMapping/>
@@ -877,6 +848,11 @@
 <file path=ppt/slideLayouts/slideLayout3.xml><?xml version="1.0" encoding="utf-8"?>
 <p:sldLayout xmlns:a="http://schemas.openxmlformats.org/drawingml/2006/main" xmlns:r="http://schemas.openxmlformats.org/officeDocument/2006/relationships" xmlns:p="http://schemas.openxmlformats.org/presentationml/2006/main" type="secHead" preserve="1">
   <p:cSld name="Section Header">
+    <p:bg>
+      <p:bgRef idx="1003">
+        <a:schemeClr val="bg2"/>
+      </p:bgRef>
+    </p:bg>
     <p:spTree>
       <p:nvGrpSpPr>
         <p:cNvPr id="1" name=""/>
@@ -903,56 +879,94 @@
         </p:nvSpPr>
         <p:spPr>
           <a:xfrm>
-            <a:off x="722313" y="4406900"/>
-            <a:ext cx="7772400" cy="1362075"/>
+            <a:off x="1600200" y="609600"/>
+            <a:ext cx="7086600" cy="1828800"/>
           </a:xfrm>
         </p:spPr>
         <p:txBody>
+          <a:bodyPr vert="horz" bIns="0" anchor="b">
+            <a:noAutofit/>
+            <a:scene3d>
+              <a:camera prst="orthographicFront"/>
+              <a:lightRig rig="soft" dir="t">
+                <a:rot lat="0" lon="0" rev="17220000"/>
+              </a:lightRig>
+            </a:scene3d>
+            <a:sp3d prstMaterial="softEdge">
+              <a:bevelT w="38100" h="38100"/>
+              <a:contourClr>
+                <a:schemeClr val="tx2">
+                  <a:shade val="50000"/>
+                </a:schemeClr>
+              </a:contourClr>
+            </a:sp3d>
+          </a:bodyPr>
+          <a:lstStyle>
+            <a:lvl1pPr algn="l" rtl="0">
+              <a:spcBef>
+                <a:spcPct val="0"/>
+              </a:spcBef>
+              <a:buNone/>
+              <a:defRPr sz="4800" b="1" cap="none" baseline="0">
+                <a:ln w="6350">
+                  <a:noFill/>
+                </a:ln>
+                <a:solidFill>
+                  <a:schemeClr val="accent1">
+                    <a:tint val="90000"/>
+                    <a:satMod val="120000"/>
+                  </a:schemeClr>
+                </a:solidFill>
+                <a:effectLst>
+                  <a:outerShdw blurRad="114300" dist="101600" dir="2700000" algn="tl" rotWithShape="0">
+                    <a:srgbClr val="000000">
+                      <a:alpha val="40000"/>
+                    </a:srgbClr>
+                  </a:outerShdw>
+                </a:effectLst>
+                <a:latin typeface="+mj-lt"/>
+                <a:ea typeface="+mj-ea"/>
+                <a:cs typeface="+mj-cs"/>
+              </a:defRPr>
+            </a:lvl1pPr>
+          </a:lstStyle>
+          <a:p>
+            <a:r>
+              <a:rPr kumimoji="0" lang="en-US" smtClean="0"/>
+              <a:t>Click to edit Master title style</a:t>
+            </a:r>
+            <a:endParaRPr kumimoji="0" lang="en-US"/>
+          </a:p>
+        </p:txBody>
+      </p:sp>
+      <p:sp>
+        <p:nvSpPr>
+          <p:cNvPr id="3" name="Text Placeholder 2"/>
+          <p:cNvSpPr>
+            <a:spLocks noGrp="1"/>
+          </p:cNvSpPr>
+          <p:nvPr>
+            <p:ph type="body" idx="1"/>
+          </p:nvPr>
+        </p:nvSpPr>
+        <p:spPr>
+          <a:xfrm>
+            <a:off x="1600200" y="2507786"/>
+            <a:ext cx="7086600" cy="1509712"/>
+          </a:xfrm>
+        </p:spPr>
+        <p:txBody>
           <a:bodyPr anchor="t"/>
           <a:lstStyle>
-            <a:lvl1pPr algn="l">
-              <a:defRPr sz="4000" b="1" cap="all"/>
-            </a:lvl1pPr>
-          </a:lstStyle>
-          <a:p>
-            <a:r>
-              <a:rPr lang="en-US" smtClean="0"/>
-              <a:t>Click to edit Master title style</a:t>
-            </a:r>
-            <a:endParaRPr lang="fr-FR"/>
-          </a:p>
-        </p:txBody>
-      </p:sp>
-      <p:sp>
-        <p:nvSpPr>
-          <p:cNvPr id="3" name="Text Placeholder 2"/>
-          <p:cNvSpPr>
-            <a:spLocks noGrp="1"/>
-          </p:cNvSpPr>
-          <p:nvPr>
-            <p:ph type="body" idx="1"/>
-          </p:nvPr>
-        </p:nvSpPr>
-        <p:spPr>
-          <a:xfrm>
-            <a:off x="722313" y="2906713"/>
-            <a:ext cx="7772400" cy="1500187"/>
-          </a:xfrm>
-        </p:spPr>
-        <p:txBody>
-          <a:bodyPr anchor="b"/>
-          <a:lstStyle>
-            <a:lvl1pPr marL="0" indent="0">
+            <a:lvl1pPr marL="73152" indent="0" algn="l">
               <a:buNone/>
               <a:defRPr sz="2000">
                 <a:solidFill>
-                  <a:schemeClr val="tx1">
-                    <a:tint val="75000"/>
-                  </a:schemeClr>
+                  <a:schemeClr val="tx1"/>
                 </a:solidFill>
               </a:defRPr>
             </a:lvl1pPr>
-            <a:lvl2pPr marL="457200" indent="0">
+            <a:lvl2pPr>
               <a:buNone/>
               <a:defRPr sz="1800">
                 <a:solidFill>
@@ -962,7 +976,7 @@
                 </a:solidFill>
               </a:defRPr>
             </a:lvl2pPr>
-            <a:lvl3pPr marL="914400" indent="0">
+            <a:lvl3pPr>
               <a:buNone/>
               <a:defRPr sz="1600">
                 <a:solidFill>
@@ -972,7 +986,7 @@
                 </a:solidFill>
               </a:defRPr>
             </a:lvl3pPr>
-            <a:lvl4pPr marL="1371600" indent="0">
+            <a:lvl4pPr>
               <a:buNone/>
               <a:defRPr sz="1400">
                 <a:solidFill>
@@ -982,7 +996,7 @@
                 </a:solidFill>
               </a:defRPr>
             </a:lvl4pPr>
-            <a:lvl5pPr marL="1828800" indent="0">
+            <a:lvl5pPr>
               <a:buNone/>
               <a:defRPr sz="1400">
                 <a:solidFill>
@@ -992,51 +1006,11 @@
                 </a:solidFill>
               </a:defRPr>
             </a:lvl5pPr>
-            <a:lvl6pPr marL="2286000" indent="0">
-              <a:buNone/>
-              <a:defRPr sz="1400">
-                <a:solidFill>
-                  <a:schemeClr val="tx1">
-                    <a:tint val="75000"/>
-                  </a:schemeClr>
-                </a:solidFill>
-              </a:defRPr>
-            </a:lvl6pPr>
-            <a:lvl7pPr marL="2743200" indent="0">
-              <a:buNone/>
-              <a:defRPr sz="1400">
-                <a:solidFill>
-                  <a:schemeClr val="tx1">
-                    <a:tint val="75000"/>
-                  </a:schemeClr>
-                </a:solidFill>
-              </a:defRPr>
-            </a:lvl7pPr>
-            <a:lvl8pPr marL="3200400" indent="0">
-              <a:buNone/>
-              <a:defRPr sz="1400">
-                <a:solidFill>
-                  <a:schemeClr val="tx1">
-                    <a:tint val="75000"/>
-                  </a:schemeClr>
-                </a:solidFill>
-              </a:defRPr>
-            </a:lvl8pPr>
-            <a:lvl9pPr marL="3657600" indent="0">
-              <a:buNone/>
-              <a:defRPr sz="1400">
-                <a:solidFill>
-                  <a:schemeClr val="tx1">
-                    <a:tint val="75000"/>
-                  </a:schemeClr>
-                </a:solidFill>
-              </a:defRPr>
-            </a:lvl9pPr>
           </a:lstStyle>
           <a:p>
-            <a:pPr lvl="0"/>
-            <a:r>
-              <a:rPr lang="en-US" smtClean="0"/>
+            <a:pPr lvl="0" eaLnBrk="1" latinLnBrk="0" hangingPunct="1"/>
+            <a:r>
+              <a:rPr kumimoji="0" lang="en-US" smtClean="0"/>
               <a:t>Click to edit Master text styles</a:t>
             </a:r>
           </a:p>
@@ -1094,7 +1068,12 @@
             <p:ph type="sldNum" sz="quarter" idx="12"/>
           </p:nvPr>
         </p:nvSpPr>
-        <p:spPr/>
+        <p:spPr>
+          <a:xfrm>
+            <a:off x="7924800" y="6416675"/>
+            <a:ext cx="762000" cy="365125"/>
+          </a:xfrm>
+        </p:spPr>
         <p:txBody>
           <a:bodyPr/>
           <a:lstStyle/>
@@ -1108,14 +1087,9 @@
         </p:txBody>
       </p:sp>
     </p:spTree>
-    <p:extLst>
-      <p:ext uri="{BB962C8B-B14F-4D97-AF65-F5344CB8AC3E}">
-        <p14:creationId xmlns:p14="http://schemas.microsoft.com/office/powerpoint/2010/main" val="3131226924"/>
-      </p:ext>
-    </p:extLst>
   </p:cSld>
   <p:clrMapOvr>
-    <a:masterClrMapping/>
+    <a:overrideClrMapping bg1="dk1" tx1="lt1" bg2="dk2" tx2="lt2" accent1="accent1" accent2="accent2" accent3="accent3" accent4="accent4" accent5="accent5" accent6="accent6" hlink="hlink" folHlink="folHlink"/>
   </p:clrMapOvr>
 </p:sldLayout>
 </file>
@@ -1153,10 +1127,10 @@
           <a:lstStyle/>
           <a:p>
             <a:r>
-              <a:rPr lang="en-US" smtClean="0"/>
+              <a:rPr kumimoji="0" lang="en-US" smtClean="0"/>
               <a:t>Click to edit Master title style</a:t>
             </a:r>
-            <a:endParaRPr lang="fr-FR"/>
+            <a:endParaRPr kumimoji="0" lang="en-US"/>
           </a:p>
         </p:txBody>
       </p:sp>
@@ -1180,7 +1154,7 @@
           <a:bodyPr/>
           <a:lstStyle>
             <a:lvl1pPr>
-              <a:defRPr sz="2800"/>
+              <a:defRPr sz="2600"/>
             </a:lvl1pPr>
             <a:lvl2pPr>
               <a:defRPr sz="2400"/>
@@ -1194,54 +1168,42 @@
             <a:lvl5pPr>
               <a:defRPr sz="1800"/>
             </a:lvl5pPr>
-            <a:lvl6pPr>
-              <a:defRPr sz="1800"/>
-            </a:lvl6pPr>
-            <a:lvl7pPr>
-              <a:defRPr sz="1800"/>
-            </a:lvl7pPr>
-            <a:lvl8pPr>
-              <a:defRPr sz="1800"/>
-            </a:lvl8pPr>
-            <a:lvl9pPr>
-              <a:defRPr sz="1800"/>
-            </a:lvl9pPr>
           </a:lstStyle>
           <a:p>
-            <a:pPr lvl="0"/>
+            <a:pPr lvl="0" eaLnBrk="1" latinLnBrk="0" hangingPunct="1"/>
             <a:r>
               <a:rPr lang="en-US" smtClean="0"/>
               <a:t>Click to edit Master text styles</a:t>
             </a:r>
           </a:p>
           <a:p>
-            <a:pPr lvl="1"/>
+            <a:pPr lvl="1" eaLnBrk="1" latinLnBrk="0" hangingPunct="1"/>
             <a:r>
               <a:rPr lang="en-US" smtClean="0"/>
               <a:t>Second level</a:t>
             </a:r>
           </a:p>
           <a:p>
-            <a:pPr lvl="2"/>
+            <a:pPr lvl="2" eaLnBrk="1" latinLnBrk="0" hangingPunct="1"/>
             <a:r>
               <a:rPr lang="en-US" smtClean="0"/>
               <a:t>Third level</a:t>
             </a:r>
           </a:p>
           <a:p>
-            <a:pPr lvl="3"/>
+            <a:pPr lvl="3" eaLnBrk="1" latinLnBrk="0" hangingPunct="1"/>
             <a:r>
               <a:rPr lang="en-US" smtClean="0"/>
               <a:t>Fourth level</a:t>
             </a:r>
           </a:p>
           <a:p>
-            <a:pPr lvl="4"/>
+            <a:pPr lvl="4" eaLnBrk="1" latinLnBrk="0" hangingPunct="1"/>
             <a:r>
               <a:rPr lang="en-US" smtClean="0"/>
               <a:t>Fifth level</a:t>
             </a:r>
-            <a:endParaRPr lang="fr-FR"/>
+            <a:endParaRPr kumimoji="0" lang="en-US"/>
           </a:p>
         </p:txBody>
       </p:sp>
@@ -1265,7 +1227,7 @@
           <a:bodyPr/>
           <a:lstStyle>
             <a:lvl1pPr>
-              <a:defRPr sz="2800"/>
+              <a:defRPr sz="2600"/>
             </a:lvl1pPr>
             <a:lvl2pPr>
               <a:defRPr sz="2400"/>
@@ -1279,54 +1241,42 @@
             <a:lvl5pPr>
               <a:defRPr sz="1800"/>
             </a:lvl5pPr>
-            <a:lvl6pPr>
-              <a:defRPr sz="1800"/>
-            </a:lvl6pPr>
-            <a:lvl7pPr>
-              <a:defRPr sz="1800"/>
-            </a:lvl7pPr>
-            <a:lvl8pPr>
-              <a:defRPr sz="1800"/>
-            </a:lvl8pPr>
-            <a:lvl9pPr>
-              <a:defRPr sz="1800"/>
-            </a:lvl9pPr>
           </a:lstStyle>
           <a:p>
-            <a:pPr lvl="0"/>
+            <a:pPr lvl="0" eaLnBrk="1" latinLnBrk="0" hangingPunct="1"/>
             <a:r>
               <a:rPr lang="en-US" smtClean="0"/>
               <a:t>Click to edit Master text styles</a:t>
             </a:r>
           </a:p>
           <a:p>
-            <a:pPr lvl="1"/>
+            <a:pPr lvl="1" eaLnBrk="1" latinLnBrk="0" hangingPunct="1"/>
             <a:r>
               <a:rPr lang="en-US" smtClean="0"/>
               <a:t>Second level</a:t>
             </a:r>
           </a:p>
           <a:p>
-            <a:pPr lvl="2"/>
+            <a:pPr lvl="2" eaLnBrk="1" latinLnBrk="0" hangingPunct="1"/>
             <a:r>
               <a:rPr lang="en-US" smtClean="0"/>
               <a:t>Third level</a:t>
             </a:r>
           </a:p>
           <a:p>
-            <a:pPr lvl="3"/>
+            <a:pPr lvl="3" eaLnBrk="1" latinLnBrk="0" hangingPunct="1"/>
             <a:r>
               <a:rPr lang="en-US" smtClean="0"/>
               <a:t>Fourth level</a:t>
             </a:r>
           </a:p>
           <a:p>
-            <a:pPr lvl="4"/>
+            <a:pPr lvl="4" eaLnBrk="1" latinLnBrk="0" hangingPunct="1"/>
             <a:r>
               <a:rPr lang="en-US" smtClean="0"/>
               <a:t>Fifth level</a:t>
             </a:r>
-            <a:endParaRPr lang="fr-FR"/>
+            <a:endParaRPr kumimoji="0" lang="en-US"/>
           </a:p>
         </p:txBody>
       </p:sp>
@@ -1396,11 +1346,6 @@
         </p:txBody>
       </p:sp>
     </p:spTree>
-    <p:extLst>
-      <p:ext uri="{BB962C8B-B14F-4D97-AF65-F5344CB8AC3E}">
-        <p14:creationId xmlns:p14="http://schemas.microsoft.com/office/powerpoint/2010/main" val="82263967"/>
-      </p:ext>
-    </p:extLst>
   </p:cSld>
   <p:clrMapOvr>
     <a:masterClrMapping/>
@@ -1435,9 +1380,14 @@
             <p:ph type="title"/>
           </p:nvPr>
         </p:nvSpPr>
-        <p:spPr/>
-        <p:txBody>
-          <a:bodyPr/>
+        <p:spPr>
+          <a:xfrm>
+            <a:off x="457200" y="273050"/>
+            <a:ext cx="8229600" cy="1143000"/>
+          </a:xfrm>
+        </p:spPr>
+        <p:txBody>
+          <a:bodyPr anchor="ctr"/>
           <a:lstStyle>
             <a:lvl1pPr>
               <a:defRPr/>
@@ -1445,10 +1395,10 @@
           </a:lstStyle>
           <a:p>
             <a:r>
-              <a:rPr lang="en-US" smtClean="0"/>
+              <a:rPr kumimoji="0" lang="en-US" smtClean="0"/>
               <a:t>Click to edit Master title style</a:t>
             </a:r>
-            <a:endParaRPr lang="fr-FR"/>
+            <a:endParaRPr kumimoji="0" lang="en-US"/>
           </a:p>
         </p:txBody>
       </p:sp>
@@ -1464,54 +1414,42 @@
         </p:nvSpPr>
         <p:spPr>
           <a:xfrm>
-            <a:off x="457200" y="1535113"/>
-            <a:ext cx="4040188" cy="639762"/>
+            <a:off x="457200" y="1535112"/>
+            <a:ext cx="4040188" cy="750887"/>
           </a:xfrm>
         </p:spPr>
         <p:txBody>
-          <a:bodyPr anchor="b"/>
+          <a:bodyPr anchor="ctr"/>
           <a:lstStyle>
             <a:lvl1pPr marL="0" indent="0">
               <a:buNone/>
-              <a:defRPr sz="2400" b="1"/>
+              <a:defRPr sz="2400" b="0" cap="all" baseline="0">
+                <a:solidFill>
+                  <a:schemeClr val="tx1"/>
+                </a:solidFill>
+              </a:defRPr>
             </a:lvl1pPr>
-            <a:lvl2pPr marL="457200" indent="0">
+            <a:lvl2pPr>
               <a:buNone/>
               <a:defRPr sz="2000" b="1"/>
             </a:lvl2pPr>
-            <a:lvl3pPr marL="914400" indent="0">
+            <a:lvl3pPr>
               <a:buNone/>
               <a:defRPr sz="1800" b="1"/>
             </a:lvl3pPr>
-            <a:lvl4pPr marL="1371600" indent="0">
+            <a:lvl4pPr>
               <a:buNone/>
               <a:defRPr sz="1600" b="1"/>
             </a:lvl4pPr>
-            <a:lvl5pPr marL="1828800" indent="0">
+            <a:lvl5pPr>
               <a:buNone/>
               <a:defRPr sz="1600" b="1"/>
             </a:lvl5pPr>
-            <a:lvl6pPr marL="2286000" indent="0">
-              <a:buNone/>
-              <a:defRPr sz="1600" b="1"/>
-            </a:lvl6pPr>
-            <a:lvl7pPr marL="2743200" indent="0">
-              <a:buNone/>
-              <a:defRPr sz="1600" b="1"/>
-            </a:lvl7pPr>
-            <a:lvl8pPr marL="3200400" indent="0">
-              <a:buNone/>
-              <a:defRPr sz="1600" b="1"/>
-            </a:lvl8pPr>
-            <a:lvl9pPr marL="3657600" indent="0">
-              <a:buNone/>
-              <a:defRPr sz="1600" b="1"/>
-            </a:lvl9pPr>
           </a:lstStyle>
           <a:p>
-            <a:pPr lvl="0"/>
-            <a:r>
-              <a:rPr lang="en-US" smtClean="0"/>
+            <a:pPr lvl="0" eaLnBrk="1" latinLnBrk="0" hangingPunct="1"/>
+            <a:r>
+              <a:rPr kumimoji="0" lang="en-US" smtClean="0"/>
               <a:t>Click to edit Master text styles</a:t>
             </a:r>
           </a:p>
@@ -1519,18 +1457,71 @@
       </p:sp>
       <p:sp>
         <p:nvSpPr>
-          <p:cNvPr id="4" name="Content Placeholder 3"/>
-          <p:cNvSpPr>
-            <a:spLocks noGrp="1"/>
-          </p:cNvSpPr>
-          <p:nvPr>
-            <p:ph sz="half" idx="2"/>
+          <p:cNvPr id="4" name="Text Placeholder 3"/>
+          <p:cNvSpPr>
+            <a:spLocks noGrp="1"/>
+          </p:cNvSpPr>
+          <p:nvPr>
+            <p:ph type="body" sz="half" idx="3"/>
           </p:nvPr>
         </p:nvSpPr>
         <p:spPr>
           <a:xfrm>
-            <a:off x="457200" y="2174875"/>
-            <a:ext cx="4040188" cy="3951288"/>
+            <a:off x="4645025" y="1535112"/>
+            <a:ext cx="4041775" cy="750887"/>
+          </a:xfrm>
+        </p:spPr>
+        <p:txBody>
+          <a:bodyPr anchor="ctr"/>
+          <a:lstStyle>
+            <a:lvl1pPr marL="0" indent="0">
+              <a:buNone/>
+              <a:defRPr sz="2400" b="0" cap="all" baseline="0">
+                <a:solidFill>
+                  <a:schemeClr val="tx1"/>
+                </a:solidFill>
+              </a:defRPr>
+            </a:lvl1pPr>
+            <a:lvl2pPr>
+              <a:buNone/>
+              <a:defRPr sz="2000" b="1"/>
+            </a:lvl2pPr>
+            <a:lvl3pPr>
+              <a:buNone/>
+              <a:defRPr sz="1800" b="1"/>
+            </a:lvl3pPr>
+            <a:lvl4pPr>
+              <a:buNone/>
+              <a:defRPr sz="1600" b="1"/>
+            </a:lvl4pPr>
+            <a:lvl5pPr>
+              <a:buNone/>
+              <a:defRPr sz="1600" b="1"/>
+            </a:lvl5pPr>
+          </a:lstStyle>
+          <a:p>
+            <a:pPr lvl="0" eaLnBrk="1" latinLnBrk="0" hangingPunct="1"/>
+            <a:r>
+              <a:rPr kumimoji="0" lang="en-US" smtClean="0"/>
+              <a:t>Click to edit Master text styles</a:t>
+            </a:r>
+          </a:p>
+        </p:txBody>
+      </p:sp>
+      <p:sp>
+        <p:nvSpPr>
+          <p:cNvPr id="5" name="Content Placeholder 4"/>
+          <p:cNvSpPr>
+            <a:spLocks noGrp="1"/>
+          </p:cNvSpPr>
+          <p:nvPr>
+            <p:ph sz="quarter" idx="2"/>
+          </p:nvPr>
+        </p:nvSpPr>
+        <p:spPr>
+          <a:xfrm>
+            <a:off x="457200" y="2362200"/>
+            <a:ext cx="4040188" cy="3763963"/>
           </a:xfrm>
         </p:spPr>
         <p:txBody>
@@ -1551,136 +1542,59 @@
             <a:lvl5pPr>
               <a:defRPr sz="1600"/>
             </a:lvl5pPr>
-            <a:lvl6pPr>
-              <a:defRPr sz="1600"/>
-            </a:lvl6pPr>
-            <a:lvl7pPr>
-              <a:defRPr sz="1600"/>
-            </a:lvl7pPr>
-            <a:lvl8pPr>
-              <a:defRPr sz="1600"/>
-            </a:lvl8pPr>
-            <a:lvl9pPr>
-              <a:defRPr sz="1600"/>
-            </a:lvl9pPr>
           </a:lstStyle>
           <a:p>
-            <a:pPr lvl="0"/>
+            <a:pPr lvl="0" eaLnBrk="1" latinLnBrk="0" hangingPunct="1"/>
             <a:r>
               <a:rPr lang="en-US" smtClean="0"/>
               <a:t>Click to edit Master text styles</a:t>
             </a:r>
           </a:p>
           <a:p>
-            <a:pPr lvl="1"/>
+            <a:pPr lvl="1" eaLnBrk="1" latinLnBrk="0" hangingPunct="1"/>
             <a:r>
               <a:rPr lang="en-US" smtClean="0"/>
               <a:t>Second level</a:t>
             </a:r>
           </a:p>
           <a:p>
-            <a:pPr lvl="2"/>
+            <a:pPr lvl="2" eaLnBrk="1" latinLnBrk="0" hangingPunct="1"/>
             <a:r>
               <a:rPr lang="en-US" smtClean="0"/>
               <a:t>Third level</a:t>
             </a:r>
           </a:p>
           <a:p>
-            <a:pPr lvl="3"/>
+            <a:pPr lvl="3" eaLnBrk="1" latinLnBrk="0" hangingPunct="1"/>
             <a:r>
               <a:rPr lang="en-US" smtClean="0"/>
               <a:t>Fourth level</a:t>
             </a:r>
           </a:p>
           <a:p>
-            <a:pPr lvl="4"/>
+            <a:pPr lvl="4" eaLnBrk="1" latinLnBrk="0" hangingPunct="1"/>
             <a:r>
               <a:rPr lang="en-US" smtClean="0"/>
               <a:t>Fifth level</a:t>
             </a:r>
-            <a:endParaRPr lang="fr-FR"/>
-          </a:p>
-        </p:txBody>
-      </p:sp>
-      <p:sp>
-        <p:nvSpPr>
-          <p:cNvPr id="5" name="Text Placeholder 4"/>
-          <p:cNvSpPr>
-            <a:spLocks noGrp="1"/>
-          </p:cNvSpPr>
-          <p:nvPr>
-            <p:ph type="body" sz="quarter" idx="3"/>
+            <a:endParaRPr kumimoji="0" lang="en-US"/>
+          </a:p>
+        </p:txBody>
+      </p:sp>
+      <p:sp>
+        <p:nvSpPr>
+          <p:cNvPr id="6" name="Content Placeholder 5"/>
+          <p:cNvSpPr>
+            <a:spLocks noGrp="1"/>
+          </p:cNvSpPr>
+          <p:nvPr>
+            <p:ph sz="quarter" idx="4"/>
           </p:nvPr>
         </p:nvSpPr>
         <p:spPr>
           <a:xfrm>
-            <a:off x="4645025" y="1535113"/>
-            <a:ext cx="4041775" cy="639762"/>
-          </a:xfrm>
-        </p:spPr>
-        <p:txBody>
-          <a:bodyPr anchor="b"/>
-          <a:lstStyle>
-            <a:lvl1pPr marL="0" indent="0">
-              <a:buNone/>
-              <a:defRPr sz="2400" b="1"/>
-            </a:lvl1pPr>
-            <a:lvl2pPr marL="457200" indent="0">
-              <a:buNone/>
-              <a:defRPr sz="2000" b="1"/>
-            </a:lvl2pPr>
-            <a:lvl3pPr marL="914400" indent="0">
-              <a:buNone/>
-              <a:defRPr sz="1800" b="1"/>
-            </a:lvl3pPr>
-            <a:lvl4pPr marL="1371600" indent="0">
-              <a:buNone/>
-              <a:defRPr sz="1600" b="1"/>
-            </a:lvl4pPr>
-            <a:lvl5pPr marL="1828800" indent="0">
-              <a:buNone/>
-              <a:defRPr sz="1600" b="1"/>
-            </a:lvl5pPr>
-            <a:lvl6pPr marL="2286000" indent="0">
-              <a:buNone/>
-              <a:defRPr sz="1600" b="1"/>
-            </a:lvl6pPr>
-            <a:lvl7pPr marL="2743200" indent="0">
-              <a:buNone/>
-              <a:defRPr sz="1600" b="1"/>
-            </a:lvl7pPr>
-            <a:lvl8pPr marL="3200400" indent="0">
-              <a:buNone/>
-              <a:defRPr sz="1600" b="1"/>
-            </a:lvl8pPr>
-            <a:lvl9pPr marL="3657600" indent="0">
-              <a:buNone/>
-              <a:defRPr sz="1600" b="1"/>
-            </a:lvl9pPr>
-          </a:lstStyle>
-          <a:p>
-            <a:pPr lvl="0"/>
-            <a:r>
-              <a:rPr lang="en-US" smtClean="0"/>
-              <a:t>Click to edit Master text styles</a:t>
-            </a:r>
-          </a:p>
-        </p:txBody>
-      </p:sp>
-      <p:sp>
-        <p:nvSpPr>
-          <p:cNvPr id="6" name="Content Placeholder 5"/>
-          <p:cNvSpPr>
-            <a:spLocks noGrp="1"/>
-          </p:cNvSpPr>
-          <p:nvPr>
-            <p:ph sz="quarter" idx="4"/>
-          </p:nvPr>
-        </p:nvSpPr>
-        <p:spPr>
-          <a:xfrm>
-            <a:off x="4645025" y="2174875"/>
-            <a:ext cx="4041775" cy="3951288"/>
+            <a:off x="4645025" y="2362200"/>
+            <a:ext cx="4041775" cy="3763963"/>
           </a:xfrm>
         </p:spPr>
         <p:txBody>
@@ -1701,54 +1615,42 @@
             <a:lvl5pPr>
               <a:defRPr sz="1600"/>
             </a:lvl5pPr>
-            <a:lvl6pPr>
-              <a:defRPr sz="1600"/>
-            </a:lvl6pPr>
-            <a:lvl7pPr>
-              <a:defRPr sz="1600"/>
-            </a:lvl7pPr>
-            <a:lvl8pPr>
-              <a:defRPr sz="1600"/>
-            </a:lvl8pPr>
-            <a:lvl9pPr>
-              <a:defRPr sz="1600"/>
-            </a:lvl9pPr>
           </a:lstStyle>
           <a:p>
-            <a:pPr lvl="0"/>
+            <a:pPr lvl="0" eaLnBrk="1" latinLnBrk="0" hangingPunct="1"/>
             <a:r>
               <a:rPr lang="en-US" smtClean="0"/>
               <a:t>Click to edit Master text styles</a:t>
             </a:r>
           </a:p>
           <a:p>
-            <a:pPr lvl="1"/>
+            <a:pPr lvl="1" eaLnBrk="1" latinLnBrk="0" hangingPunct="1"/>
             <a:r>
               <a:rPr lang="en-US" smtClean="0"/>
               <a:t>Second level</a:t>
             </a:r>
           </a:p>
           <a:p>
-            <a:pPr lvl="2"/>
+            <a:pPr lvl="2" eaLnBrk="1" latinLnBrk="0" hangingPunct="1"/>
             <a:r>
               <a:rPr lang="en-US" smtClean="0"/>
               <a:t>Third level</a:t>
             </a:r>
           </a:p>
           <a:p>
-            <a:pPr lvl="3"/>
+            <a:pPr lvl="3" eaLnBrk="1" latinLnBrk="0" hangingPunct="1"/>
             <a:r>
               <a:rPr lang="en-US" smtClean="0"/>
               <a:t>Fourth level</a:t>
             </a:r>
           </a:p>
           <a:p>
-            <a:pPr lvl="4"/>
+            <a:pPr lvl="4" eaLnBrk="1" latinLnBrk="0" hangingPunct="1"/>
             <a:r>
               <a:rPr lang="en-US" smtClean="0"/>
               <a:t>Fifth level</a:t>
             </a:r>
-            <a:endParaRPr lang="fr-FR"/>
+            <a:endParaRPr kumimoji="0" lang="en-US"/>
           </a:p>
         </p:txBody>
       </p:sp>
@@ -1818,11 +1720,6 @@
         </p:txBody>
       </p:sp>
     </p:spTree>
-    <p:extLst>
-      <p:ext uri="{BB962C8B-B14F-4D97-AF65-F5344CB8AC3E}">
-        <p14:creationId xmlns:p14="http://schemas.microsoft.com/office/powerpoint/2010/main" val="1674702164"/>
-      </p:ext>
-    </p:extLst>
   </p:cSld>
   <p:clrMapOvr>
     <a:masterClrMapping/>
@@ -1863,10 +1760,10 @@
           <a:lstStyle/>
           <a:p>
             <a:r>
-              <a:rPr lang="en-US" smtClean="0"/>
+              <a:rPr kumimoji="0" lang="en-US" smtClean="0"/>
               <a:t>Click to edit Master title style</a:t>
             </a:r>
-            <a:endParaRPr lang="fr-FR"/>
+            <a:endParaRPr kumimoji="0" lang="en-US"/>
           </a:p>
         </p:txBody>
       </p:sp>
@@ -1936,11 +1833,6 @@
         </p:txBody>
       </p:sp>
     </p:spTree>
-    <p:extLst>
-      <p:ext uri="{BB962C8B-B14F-4D97-AF65-F5344CB8AC3E}">
-        <p14:creationId xmlns:p14="http://schemas.microsoft.com/office/powerpoint/2010/main" val="326613675"/>
-      </p:ext>
-    </p:extLst>
   </p:cSld>
   <p:clrMapOvr>
     <a:masterClrMapping/>
@@ -2031,11 +1923,6 @@
         </p:txBody>
       </p:sp>
     </p:spTree>
-    <p:extLst>
-      <p:ext uri="{BB962C8B-B14F-4D97-AF65-F5344CB8AC3E}">
-        <p14:creationId xmlns:p14="http://schemas.microsoft.com/office/powerpoint/2010/main" val="2517749914"/>
-      </p:ext>
-    </p:extLst>
   </p:cSld>
   <p:clrMapOvr>
     <a:masterClrMapping/>
@@ -2077,29 +1964,92 @@
           </a:xfrm>
         </p:spPr>
         <p:txBody>
-          <a:bodyPr anchor="b"/>
+          <a:bodyPr vert="horz" anchor="b">
+            <a:normAutofit/>
+            <a:sp3d prstMaterial="softEdge"/>
+          </a:bodyPr>
           <a:lstStyle>
             <a:lvl1pPr algn="l">
-              <a:defRPr sz="2000" b="1"/>
+              <a:buNone/>
+              <a:defRPr sz="2200" b="0">
+                <a:ln w="6350">
+                  <a:noFill/>
+                </a:ln>
+                <a:solidFill>
+                  <a:schemeClr val="accent1">
+                    <a:tint val="73000"/>
+                    <a:satMod val="180000"/>
+                  </a:schemeClr>
+                </a:solidFill>
+              </a:defRPr>
             </a:lvl1pPr>
           </a:lstStyle>
           <a:p>
             <a:r>
-              <a:rPr lang="en-US" smtClean="0"/>
+              <a:rPr kumimoji="0" lang="en-US" smtClean="0"/>
               <a:t>Click to edit Master title style</a:t>
             </a:r>
-            <a:endParaRPr lang="fr-FR"/>
-          </a:p>
-        </p:txBody>
-      </p:sp>
-      <p:sp>
-        <p:nvSpPr>
-          <p:cNvPr id="3" name="Content Placeholder 2"/>
-          <p:cNvSpPr>
-            <a:spLocks noGrp="1"/>
-          </p:cNvSpPr>
-          <p:nvPr>
-            <p:ph idx="1"/>
+            <a:endParaRPr kumimoji="0" lang="en-US"/>
+          </a:p>
+        </p:txBody>
+      </p:sp>
+      <p:sp>
+        <p:nvSpPr>
+          <p:cNvPr id="3" name="Text Placeholder 2"/>
+          <p:cNvSpPr>
+            <a:spLocks noGrp="1"/>
+          </p:cNvSpPr>
+          <p:nvPr>
+            <p:ph type="body" idx="2"/>
+          </p:nvPr>
+        </p:nvSpPr>
+        <p:spPr>
+          <a:xfrm>
+            <a:off x="457200" y="1524000"/>
+            <a:ext cx="3008313" cy="4602163"/>
+          </a:xfrm>
+        </p:spPr>
+        <p:txBody>
+          <a:bodyPr/>
+          <a:lstStyle>
+            <a:lvl1pPr marL="0" indent="0">
+              <a:buNone/>
+              <a:defRPr sz="1400"/>
+            </a:lvl1pPr>
+            <a:lvl2pPr>
+              <a:buNone/>
+              <a:defRPr sz="1200"/>
+            </a:lvl2pPr>
+            <a:lvl3pPr>
+              <a:buNone/>
+              <a:defRPr sz="1000"/>
+            </a:lvl3pPr>
+            <a:lvl4pPr>
+              <a:buNone/>
+              <a:defRPr sz="900"/>
+            </a:lvl4pPr>
+            <a:lvl5pPr>
+              <a:buNone/>
+              <a:defRPr sz="900"/>
+            </a:lvl5pPr>
+          </a:lstStyle>
+          <a:p>
+            <a:pPr lvl="0" eaLnBrk="1" latinLnBrk="0" hangingPunct="1"/>
+            <a:r>
+              <a:rPr kumimoji="0" lang="en-US" smtClean="0"/>
+              <a:t>Click to edit Master text styles</a:t>
+            </a:r>
+          </a:p>
+        </p:txBody>
+      </p:sp>
+      <p:sp>
+        <p:nvSpPr>
+          <p:cNvPr id="4" name="Content Placeholder 3"/>
+          <p:cNvSpPr>
+            <a:spLocks noGrp="1"/>
+          </p:cNvSpPr>
+          <p:nvPr>
+            <p:ph sz="half" idx="1"/>
           </p:nvPr>
         </p:nvSpPr>
         <p:spPr>
@@ -2112,133 +2062,56 @@
           <a:bodyPr/>
           <a:lstStyle>
             <a:lvl1pPr>
-              <a:defRPr sz="3200"/>
+              <a:defRPr sz="2600"/>
             </a:lvl1pPr>
             <a:lvl2pPr>
-              <a:defRPr sz="2800"/>
+              <a:defRPr sz="2400"/>
             </a:lvl2pPr>
             <a:lvl3pPr>
-              <a:defRPr sz="2400"/>
+              <a:defRPr sz="2200"/>
             </a:lvl3pPr>
             <a:lvl4pPr>
               <a:defRPr sz="2000"/>
             </a:lvl4pPr>
             <a:lvl5pPr>
-              <a:defRPr sz="2000"/>
+              <a:defRPr sz="1800"/>
             </a:lvl5pPr>
-            <a:lvl6pPr>
-              <a:defRPr sz="2000"/>
-            </a:lvl6pPr>
-            <a:lvl7pPr>
-              <a:defRPr sz="2000"/>
-            </a:lvl7pPr>
-            <a:lvl8pPr>
-              <a:defRPr sz="2000"/>
-            </a:lvl8pPr>
-            <a:lvl9pPr>
-              <a:defRPr sz="2000"/>
-            </a:lvl9pPr>
           </a:lstStyle>
           <a:p>
-            <a:pPr lvl="0"/>
+            <a:pPr lvl="0" eaLnBrk="1" latinLnBrk="0" hangingPunct="1"/>
             <a:r>
               <a:rPr lang="en-US" smtClean="0"/>
               <a:t>Click to edit Master text styles</a:t>
             </a:r>
           </a:p>
           <a:p>
-            <a:pPr lvl="1"/>
+            <a:pPr lvl="1" eaLnBrk="1" latinLnBrk="0" hangingPunct="1"/>
             <a:r>
               <a:rPr lang="en-US" smtClean="0"/>
               <a:t>Second level</a:t>
             </a:r>
           </a:p>
           <a:p>
-            <a:pPr lvl="2"/>
+            <a:pPr lvl="2" eaLnBrk="1" latinLnBrk="0" hangingPunct="1"/>
             <a:r>
               <a:rPr lang="en-US" smtClean="0"/>
               <a:t>Third level</a:t>
             </a:r>
           </a:p>
           <a:p>
-            <a:pPr lvl="3"/>
+            <a:pPr lvl="3" eaLnBrk="1" latinLnBrk="0" hangingPunct="1"/>
             <a:r>
               <a:rPr lang="en-US" smtClean="0"/>
               <a:t>Fourth level</a:t>
             </a:r>
           </a:p>
           <a:p>
-            <a:pPr lvl="4"/>
+            <a:pPr lvl="4" eaLnBrk="1" latinLnBrk="0" hangingPunct="1"/>
             <a:r>
               <a:rPr lang="en-US" smtClean="0"/>
               <a:t>Fifth level</a:t>
             </a:r>
-            <a:endParaRPr lang="fr-FR"/>
-          </a:p>
-        </p:txBody>
-      </p:sp>
-      <p:sp>
-        <p:nvSpPr>
-          <p:cNvPr id="4" name="Text Placeholder 3"/>
-          <p:cNvSpPr>
-            <a:spLocks noGrp="1"/>
-          </p:cNvSpPr>
-          <p:nvPr>
-            <p:ph type="body" sz="half" idx="2"/>
-          </p:nvPr>
-        </p:nvSpPr>
-        <p:spPr>
-          <a:xfrm>
-            <a:off x="457200" y="1435100"/>
-            <a:ext cx="3008313" cy="4691063"/>
-          </a:xfrm>
-        </p:spPr>
-        <p:txBody>
-          <a:bodyPr/>
-          <a:lstStyle>
-            <a:lvl1pPr marL="0" indent="0">
-              <a:buNone/>
-              <a:defRPr sz="1400"/>
-            </a:lvl1pPr>
-            <a:lvl2pPr marL="457200" indent="0">
-              <a:buNone/>
-              <a:defRPr sz="1200"/>
-            </a:lvl2pPr>
-            <a:lvl3pPr marL="914400" indent="0">
-              <a:buNone/>
-              <a:defRPr sz="1000"/>
-            </a:lvl3pPr>
-            <a:lvl4pPr marL="1371600" indent="0">
-              <a:buNone/>
-              <a:defRPr sz="900"/>
-            </a:lvl4pPr>
-            <a:lvl5pPr marL="1828800" indent="0">
-              <a:buNone/>
-              <a:defRPr sz="900"/>
-            </a:lvl5pPr>
-            <a:lvl6pPr marL="2286000" indent="0">
-              <a:buNone/>
-              <a:defRPr sz="900"/>
-            </a:lvl6pPr>
-            <a:lvl7pPr marL="2743200" indent="0">
-              <a:buNone/>
-              <a:defRPr sz="900"/>
-            </a:lvl7pPr>
-            <a:lvl8pPr marL="3200400" indent="0">
-              <a:buNone/>
-              <a:defRPr sz="900"/>
-            </a:lvl8pPr>
-            <a:lvl9pPr marL="3657600" indent="0">
-              <a:buNone/>
-              <a:defRPr sz="900"/>
-            </a:lvl9pPr>
-          </a:lstStyle>
-          <a:p>
-            <a:pPr lvl="0"/>
-            <a:r>
-              <a:rPr lang="en-US" smtClean="0"/>
-              <a:t>Click to edit Master text styles</a:t>
-            </a:r>
+            <a:endParaRPr kumimoji="0" lang="en-US"/>
           </a:p>
         </p:txBody>
       </p:sp>
@@ -2308,11 +2181,6 @@
         </p:txBody>
       </p:sp>
     </p:spTree>
-    <p:extLst>
-      <p:ext uri="{BB962C8B-B14F-4D97-AF65-F5344CB8AC3E}">
-        <p14:creationId xmlns:p14="http://schemas.microsoft.com/office/powerpoint/2010/main" val="1241741157"/>
-      </p:ext>
-    </p:extLst>
   </p:cSld>
   <p:clrMapOvr>
     <a:masterClrMapping/>
@@ -2349,23 +2217,26 @@
         </p:nvSpPr>
         <p:spPr>
           <a:xfrm>
-            <a:off x="1792288" y="4800600"/>
-            <a:ext cx="5486400" cy="566738"/>
+            <a:off x="1828800" y="609600"/>
+            <a:ext cx="5486400" cy="522288"/>
           </a:xfrm>
         </p:spPr>
         <p:txBody>
-          <a:bodyPr anchor="b"/>
+          <a:bodyPr lIns="45720" rIns="45720" bIns="0" anchor="b">
+            <a:sp3d prstMaterial="softEdge"/>
+          </a:bodyPr>
           <a:lstStyle>
-            <a:lvl1pPr algn="l">
+            <a:lvl1pPr algn="ctr">
+              <a:buNone/>
               <a:defRPr sz="2000" b="1"/>
             </a:lvl1pPr>
           </a:lstStyle>
           <a:p>
             <a:r>
-              <a:rPr lang="en-US" smtClean="0"/>
+              <a:rPr kumimoji="0" lang="en-US" smtClean="0"/>
               <a:t>Click to edit Master title style</a:t>
             </a:r>
-            <a:endParaRPr lang="fr-FR"/>
+            <a:endParaRPr kumimoji="0" lang="en-US"/>
           </a:p>
         </p:txBody>
       </p:sp>
@@ -2381,115 +2252,128 @@
         </p:nvSpPr>
         <p:spPr>
           <a:xfrm>
-            <a:off x="1792288" y="612775"/>
-            <a:ext cx="5486400" cy="4114800"/>
+            <a:off x="1828800" y="1831975"/>
+            <a:ext cx="5486400" cy="3962400"/>
+          </a:xfrm>
+          <a:solidFill>
+            <a:schemeClr val="bg2"/>
+          </a:solidFill>
+          <a:ln w="44450" cap="sq" cmpd="sng" algn="ctr">
+            <a:solidFill>
+              <a:srgbClr val="FFFFFF"/>
+            </a:solidFill>
+            <a:prstDash val="solid"/>
+            <a:miter lim="800000"/>
+          </a:ln>
+          <a:effectLst>
+            <a:outerShdw blurRad="190500" dist="228600" dir="2700000" sy="90000">
+              <a:srgbClr val="000000">
+                <a:alpha val="25000"/>
+              </a:srgbClr>
+            </a:outerShdw>
+          </a:effectLst>
+          <a:scene3d>
+            <a:camera prst="orthographicFront">
+              <a:rot lat="0" lon="0" rev="0"/>
+            </a:camera>
+            <a:lightRig rig="balanced" dir="tr">
+              <a:rot lat="0" lon="0" rev="2700000"/>
+            </a:lightRig>
+          </a:scene3d>
+          <a:sp3d prstMaterial="matte">
+            <a:contourClr>
+              <a:schemeClr val="tx2">
+                <a:shade val="50000"/>
+              </a:schemeClr>
+            </a:contourClr>
+          </a:sp3d>
+        </p:spPr>
+        <p:style>
+          <a:lnRef idx="3">
+            <a:schemeClr val="lt1"/>
+          </a:lnRef>
+          <a:fillRef idx="1">
+            <a:schemeClr val="accent1"/>
+          </a:fillRef>
+          <a:effectRef idx="1">
+            <a:schemeClr val="accent1"/>
+          </a:effectRef>
+          <a:fontRef idx="minor">
+            <a:schemeClr val="lt1"/>
+          </a:fontRef>
+        </p:style>
+        <p:txBody>
+          <a:bodyPr anchor="t"/>
+          <a:lstStyle>
+            <a:lvl1pPr indent="0">
+              <a:buNone/>
+              <a:defRPr sz="3200"/>
+            </a:lvl1pPr>
+          </a:lstStyle>
+          <a:p>
+            <a:pPr marL="0" algn="l" rtl="0" eaLnBrk="1" latinLnBrk="0" hangingPunct="1"/>
+            <a:r>
+              <a:rPr kumimoji="0" lang="en-US" smtClean="0">
+                <a:solidFill>
+                  <a:schemeClr val="lt1"/>
+                </a:solidFill>
+                <a:latin typeface="+mn-lt"/>
+                <a:ea typeface="+mn-ea"/>
+                <a:cs typeface="+mn-cs"/>
+              </a:rPr>
+              <a:t>Click icon to add picture</a:t>
+            </a:r>
+            <a:endParaRPr kumimoji="0" lang="en-US" dirty="0">
+              <a:solidFill>
+                <a:schemeClr val="lt1"/>
+              </a:solidFill>
+              <a:latin typeface="+mn-lt"/>
+              <a:ea typeface="+mn-ea"/>
+              <a:cs typeface="+mn-cs"/>
+            </a:endParaRPr>
+          </a:p>
+        </p:txBody>
+      </p:sp>
+      <p:sp>
+        <p:nvSpPr>
+          <p:cNvPr id="4" name="Text Placeholder 3"/>
+          <p:cNvSpPr>
+            <a:spLocks noGrp="1"/>
+          </p:cNvSpPr>
+          <p:nvPr>
+            <p:ph type="body" sz="half" idx="2"/>
+          </p:nvPr>
+        </p:nvSpPr>
+        <p:spPr>
+          <a:xfrm>
+            <a:off x="1828800" y="1166787"/>
+            <a:ext cx="5486400" cy="530352"/>
           </a:xfrm>
         </p:spPr>
         <p:txBody>
-          <a:bodyPr/>
+          <a:bodyPr lIns="45720" tIns="45720" rIns="45720" anchor="t"/>
           <a:lstStyle>
-            <a:lvl1pPr marL="0" indent="0">
-              <a:buNone/>
-              <a:defRPr sz="3200"/>
-            </a:lvl1pPr>
-            <a:lvl2pPr marL="457200" indent="0">
-              <a:buNone/>
-              <a:defRPr sz="2800"/>
-            </a:lvl2pPr>
-            <a:lvl3pPr marL="914400" indent="0">
-              <a:buNone/>
-              <a:defRPr sz="2400"/>
-            </a:lvl3pPr>
-            <a:lvl4pPr marL="1371600" indent="0">
-              <a:buNone/>
-              <a:defRPr sz="2000"/>
-            </a:lvl4pPr>
-            <a:lvl5pPr marL="1828800" indent="0">
-              <a:buNone/>
-              <a:defRPr sz="2000"/>
-            </a:lvl5pPr>
-            <a:lvl6pPr marL="2286000" indent="0">
-              <a:buNone/>
-              <a:defRPr sz="2000"/>
-            </a:lvl6pPr>
-            <a:lvl7pPr marL="2743200" indent="0">
-              <a:buNone/>
-              <a:defRPr sz="2000"/>
-            </a:lvl7pPr>
-            <a:lvl8pPr marL="3200400" indent="0">
-              <a:buNone/>
-              <a:defRPr sz="2000"/>
-            </a:lvl8pPr>
-            <a:lvl9pPr marL="3657600" indent="0">
-              <a:buNone/>
-              <a:defRPr sz="2000"/>
-            </a:lvl9pPr>
-          </a:lstStyle>
-          <a:p>
-            <a:endParaRPr lang="fr-FR"/>
-          </a:p>
-        </p:txBody>
-      </p:sp>
-      <p:sp>
-        <p:nvSpPr>
-          <p:cNvPr id="4" name="Text Placeholder 3"/>
-          <p:cNvSpPr>
-            <a:spLocks noGrp="1"/>
-          </p:cNvSpPr>
-          <p:nvPr>
-            <p:ph type="body" sz="half" idx="2"/>
-          </p:nvPr>
-        </p:nvSpPr>
-        <p:spPr>
-          <a:xfrm>
-            <a:off x="1792288" y="5367338"/>
-            <a:ext cx="5486400" cy="804862"/>
-          </a:xfrm>
-        </p:spPr>
-        <p:txBody>
-          <a:bodyPr/>
-          <a:lstStyle>
-            <a:lvl1pPr marL="0" indent="0">
+            <a:lvl1pPr marL="0" indent="0" algn="ctr">
               <a:buNone/>
               <a:defRPr sz="1400"/>
             </a:lvl1pPr>
-            <a:lvl2pPr marL="457200" indent="0">
-              <a:buNone/>
+            <a:lvl2pPr>
               <a:defRPr sz="1200"/>
             </a:lvl2pPr>
-            <a:lvl3pPr marL="914400" indent="0">
-              <a:buNone/>
+            <a:lvl3pPr>
               <a:defRPr sz="1000"/>
             </a:lvl3pPr>
-            <a:lvl4pPr marL="1371600" indent="0">
-              <a:buNone/>
+            <a:lvl4pPr>
               <a:defRPr sz="900"/>
             </a:lvl4pPr>
-            <a:lvl5pPr marL="1828800" indent="0">
-              <a:buNone/>
+            <a:lvl5pPr>
               <a:defRPr sz="900"/>
             </a:lvl5pPr>
-            <a:lvl6pPr marL="2286000" indent="0">
-              <a:buNone/>
-              <a:defRPr sz="900"/>
-            </a:lvl6pPr>
-            <a:lvl7pPr marL="2743200" indent="0">
-              <a:buNone/>
-              <a:defRPr sz="900"/>
-            </a:lvl7pPr>
-            <a:lvl8pPr marL="3200400" indent="0">
-              <a:buNone/>
-              <a:defRPr sz="900"/>
-            </a:lvl8pPr>
-            <a:lvl9pPr marL="3657600" indent="0">
-              <a:buNone/>
-              <a:defRPr sz="900"/>
-            </a:lvl9pPr>
           </a:lstStyle>
           <a:p>
-            <a:pPr lvl="0"/>
-            <a:r>
-              <a:rPr lang="en-US" smtClean="0"/>
+            <a:pPr lvl="0" eaLnBrk="1" latinLnBrk="0" hangingPunct="1"/>
+            <a:r>
+              <a:rPr kumimoji="0" lang="en-US" smtClean="0"/>
               <a:t>Click to edit Master text styles</a:t>
             </a:r>
           </a:p>
@@ -2561,11 +2445,6 @@
         </p:txBody>
       </p:sp>
     </p:spTree>
-    <p:extLst>
-      <p:ext uri="{BB962C8B-B14F-4D97-AF65-F5344CB8AC3E}">
-        <p14:creationId xmlns:p14="http://schemas.microsoft.com/office/powerpoint/2010/main" val="3686075258"/>
-      </p:ext>
-    </p:extLst>
   </p:cSld>
   <p:clrMapOvr>
     <a:masterClrMapping/>
@@ -2577,8 +2456,8 @@
 <p:sldMaster xmlns:a="http://schemas.openxmlformats.org/drawingml/2006/main" xmlns:r="http://schemas.openxmlformats.org/officeDocument/2006/relationships" xmlns:p="http://schemas.openxmlformats.org/presentationml/2006/main">
   <p:cSld>
     <p:bg>
-      <p:bgRef idx="1001">
-        <a:schemeClr val="bg1"/>
+      <p:bgRef idx="1003">
+        <a:schemeClr val="bg2"/>
       </p:bgRef>
     </p:bg>
     <p:spTree>
@@ -2597,7 +2476,7 @@
       </p:grpSpPr>
       <p:sp>
         <p:nvSpPr>
-          <p:cNvPr id="2" name="Title Placeholder 1"/>
+          <p:cNvPr id="22" name="Title Placeholder 21"/>
           <p:cNvSpPr>
             <a:spLocks noGrp="1"/>
           </p:cNvSpPr>
@@ -2615,22 +2494,31 @@
           </a:prstGeom>
         </p:spPr>
         <p:txBody>
-          <a:bodyPr vert="horz" lIns="91440" tIns="45720" rIns="91440" bIns="45720" rtlCol="0" anchor="ctr">
+          <a:bodyPr vert="horz" anchor="ctr">
             <a:normAutofit/>
+            <a:scene3d>
+              <a:camera prst="orthographicFront"/>
+              <a:lightRig rig="soft" dir="t">
+                <a:rot lat="0" lon="0" rev="16800000"/>
+              </a:lightRig>
+            </a:scene3d>
+            <a:sp3d prstMaterial="softEdge">
+              <a:bevelT w="38100" h="38100"/>
+            </a:sp3d>
           </a:bodyPr>
           <a:lstStyle/>
           <a:p>
             <a:r>
-              <a:rPr lang="en-US" smtClean="0"/>
+              <a:rPr kumimoji="0" lang="en-US" smtClean="0"/>
               <a:t>Click to edit Master title style</a:t>
             </a:r>
-            <a:endParaRPr lang="fr-FR"/>
-          </a:p>
-        </p:txBody>
-      </p:sp>
-      <p:sp>
-        <p:nvSpPr>
-          <p:cNvPr id="3" name="Text Placeholder 2"/>
+            <a:endParaRPr kumimoji="0" lang="en-US"/>
+          </a:p>
+        </p:txBody>
+      </p:sp>
+      <p:sp>
+        <p:nvSpPr>
+          <p:cNvPr id="13" name="Text Placeholder 12"/>
           <p:cNvSpPr>
             <a:spLocks noGrp="1"/>
           </p:cNvSpPr>
@@ -2641,58 +2529,58 @@
         <p:spPr>
           <a:xfrm>
             <a:off x="457200" y="1600200"/>
-            <a:ext cx="8229600" cy="4525963"/>
+            <a:ext cx="8229600" cy="4709160"/>
           </a:xfrm>
           <a:prstGeom prst="rect">
             <a:avLst/>
           </a:prstGeom>
         </p:spPr>
         <p:txBody>
-          <a:bodyPr vert="horz" lIns="91440" tIns="45720" rIns="91440" bIns="45720" rtlCol="0">
+          <a:bodyPr vert="horz">
             <a:normAutofit/>
           </a:bodyPr>
           <a:lstStyle/>
           <a:p>
-            <a:pPr lvl="0"/>
-            <a:r>
-              <a:rPr lang="en-US" smtClean="0"/>
+            <a:pPr lvl="0" eaLnBrk="1" latinLnBrk="0" hangingPunct="1"/>
+            <a:r>
+              <a:rPr kumimoji="0" lang="en-US" smtClean="0"/>
               <a:t>Click to edit Master text styles</a:t>
             </a:r>
           </a:p>
           <a:p>
-            <a:pPr lvl="1"/>
-            <a:r>
-              <a:rPr lang="en-US" smtClean="0"/>
+            <a:pPr lvl="1" eaLnBrk="1" latinLnBrk="0" hangingPunct="1"/>
+            <a:r>
+              <a:rPr kumimoji="0" lang="en-US" smtClean="0"/>
               <a:t>Second level</a:t>
             </a:r>
           </a:p>
           <a:p>
-            <a:pPr lvl="2"/>
-            <a:r>
-              <a:rPr lang="en-US" smtClean="0"/>
+            <a:pPr lvl="2" eaLnBrk="1" latinLnBrk="0" hangingPunct="1"/>
+            <a:r>
+              <a:rPr kumimoji="0" lang="en-US" smtClean="0"/>
               <a:t>Third level</a:t>
             </a:r>
           </a:p>
           <a:p>
-            <a:pPr lvl="3"/>
-            <a:r>
-              <a:rPr lang="en-US" smtClean="0"/>
+            <a:pPr lvl="3" eaLnBrk="1" latinLnBrk="0" hangingPunct="1"/>
+            <a:r>
+              <a:rPr kumimoji="0" lang="en-US" smtClean="0"/>
               <a:t>Fourth level</a:t>
             </a:r>
           </a:p>
           <a:p>
-            <a:pPr lvl="4"/>
-            <a:r>
-              <a:rPr lang="en-US" smtClean="0"/>
+            <a:pPr lvl="4" eaLnBrk="1" latinLnBrk="0" hangingPunct="1"/>
+            <a:r>
+              <a:rPr kumimoji="0" lang="en-US" smtClean="0"/>
               <a:t>Fifth level</a:t>
             </a:r>
-            <a:endParaRPr lang="fr-FR"/>
-          </a:p>
-        </p:txBody>
-      </p:sp>
-      <p:sp>
-        <p:nvSpPr>
-          <p:cNvPr id="4" name="Date Placeholder 3"/>
+            <a:endParaRPr kumimoji="0" lang="en-US"/>
+          </a:p>
+        </p:txBody>
+      </p:sp>
+      <p:sp>
+        <p:nvSpPr>
+          <p:cNvPr id="14" name="Date Placeholder 13"/>
           <p:cNvSpPr>
             <a:spLocks noGrp="1"/>
           </p:cNvSpPr>
@@ -2702,7 +2590,7 @@
         </p:nvSpPr>
         <p:spPr>
           <a:xfrm>
-            <a:off x="457200" y="6356350"/>
+            <a:off x="457200" y="6416675"/>
             <a:ext cx="2133600" cy="365125"/>
           </a:xfrm>
           <a:prstGeom prst="rect">
@@ -2710,13 +2598,13 @@
           </a:prstGeom>
         </p:spPr>
         <p:txBody>
-          <a:bodyPr vert="horz" lIns="91440" tIns="45720" rIns="91440" bIns="45720" rtlCol="0" anchor="ctr"/>
+          <a:bodyPr vert="horz" anchor="b"/>
           <a:lstStyle>
-            <a:lvl1pPr algn="l">
-              <a:defRPr sz="1200">
+            <a:lvl1pPr algn="l" eaLnBrk="1" latinLnBrk="0" hangingPunct="1">
+              <a:defRPr kumimoji="0" sz="1200">
                 <a:solidFill>
                   <a:schemeClr val="tx1">
-                    <a:tint val="75000"/>
+                    <a:shade val="50000"/>
                   </a:schemeClr>
                 </a:solidFill>
               </a:defRPr>
@@ -2733,7 +2621,7 @@
       </p:sp>
       <p:sp>
         <p:nvSpPr>
-          <p:cNvPr id="5" name="Footer Placeholder 4"/>
+          <p:cNvPr id="3" name="Footer Placeholder 2"/>
           <p:cNvSpPr>
             <a:spLocks noGrp="1"/>
           </p:cNvSpPr>
@@ -2743,7 +2631,7 @@
         </p:nvSpPr>
         <p:spPr>
           <a:xfrm>
-            <a:off x="3124200" y="6356350"/>
+            <a:off x="3124200" y="6416675"/>
             <a:ext cx="2895600" cy="365125"/>
           </a:xfrm>
           <a:prstGeom prst="rect">
@@ -2751,13 +2639,13 @@
           </a:prstGeom>
         </p:spPr>
         <p:txBody>
-          <a:bodyPr vert="horz" lIns="91440" tIns="45720" rIns="91440" bIns="45720" rtlCol="0" anchor="ctr"/>
+          <a:bodyPr vert="horz" anchor="b"/>
           <a:lstStyle>
-            <a:lvl1pPr algn="ctr">
-              <a:defRPr sz="1200">
+            <a:lvl1pPr algn="ctr" eaLnBrk="1" latinLnBrk="0" hangingPunct="1">
+              <a:defRPr kumimoji="0" sz="1200">
                 <a:solidFill>
                   <a:schemeClr val="tx1">
-                    <a:tint val="75000"/>
+                    <a:shade val="50000"/>
                   </a:schemeClr>
                 </a:solidFill>
               </a:defRPr>
@@ -2770,7 +2658,7 @@
       </p:sp>
       <p:sp>
         <p:nvSpPr>
-          <p:cNvPr id="6" name="Slide Number Placeholder 5"/>
+          <p:cNvPr id="23" name="Slide Number Placeholder 22"/>
           <p:cNvSpPr>
             <a:spLocks noGrp="1"/>
           </p:cNvSpPr>
@@ -2780,21 +2668,21 @@
         </p:nvSpPr>
         <p:spPr>
           <a:xfrm>
-            <a:off x="6553200" y="6356350"/>
-            <a:ext cx="2133600" cy="365125"/>
+            <a:off x="7924800" y="6416675"/>
+            <a:ext cx="762000" cy="365125"/>
           </a:xfrm>
           <a:prstGeom prst="rect">
             <a:avLst/>
           </a:prstGeom>
         </p:spPr>
         <p:txBody>
-          <a:bodyPr vert="horz" lIns="91440" tIns="45720" rIns="91440" bIns="45720" rtlCol="0" anchor="ctr"/>
+          <a:bodyPr vert="horz" lIns="0" rIns="0" anchor="b"/>
           <a:lstStyle>
-            <a:lvl1pPr algn="r">
-              <a:defRPr sz="1200">
+            <a:lvl1pPr algn="r" eaLnBrk="1" latinLnBrk="0" hangingPunct="1">
+              <a:defRPr kumimoji="0" sz="1200">
                 <a:solidFill>
                   <a:schemeClr val="tx1">
-                    <a:tint val="75000"/>
+                    <a:shade val="50000"/>
                   </a:schemeClr>
                 </a:solidFill>
               </a:defRPr>
@@ -2810,37 +2698,62 @@
         </p:txBody>
       </p:sp>
     </p:spTree>
-    <p:extLst>
-      <p:ext uri="{BB962C8B-B14F-4D97-AF65-F5344CB8AC3E}">
-        <p14:creationId xmlns:p14="http://schemas.microsoft.com/office/powerpoint/2010/main" val="1606637179"/>
-      </p:ext>
-    </p:extLst>
   </p:cSld>
-  <p:clrMap bg1="lt1" tx1="dk1" bg2="lt2" tx2="dk2" accent1="accent1" accent2="accent2" accent3="accent3" accent4="accent4" accent5="accent5" accent6="accent6" hlink="hlink" folHlink="folHlink"/>
+  <p:clrMap bg1="dk1" tx1="lt1" bg2="dk2" tx2="lt2" accent1="accent1" accent2="accent2" accent3="accent3" accent4="accent4" accent5="accent5" accent6="accent6" hlink="hlink" folHlink="folHlink"/>
   <p:sldLayoutIdLst>
-    <p:sldLayoutId id="2147483649" r:id="rId1"/>
-    <p:sldLayoutId id="2147483650" r:id="rId2"/>
-    <p:sldLayoutId id="2147483651" r:id="rId3"/>
-    <p:sldLayoutId id="2147483652" r:id="rId4"/>
-    <p:sldLayoutId id="2147483653" r:id="rId5"/>
-    <p:sldLayoutId id="2147483654" r:id="rId6"/>
-    <p:sldLayoutId id="2147483655" r:id="rId7"/>
-    <p:sldLayoutId id="2147483656" r:id="rId8"/>
-    <p:sldLayoutId id="2147483657" r:id="rId9"/>
-    <p:sldLayoutId id="2147483658" r:id="rId10"/>
-    <p:sldLayoutId id="2147483659" r:id="rId11"/>
+    <p:sldLayoutId id="2147483709" r:id="rId1"/>
+    <p:sldLayoutId id="2147483710" r:id="rId2"/>
+    <p:sldLayoutId id="2147483711" r:id="rId3"/>
+    <p:sldLayoutId id="2147483712" r:id="rId4"/>
+    <p:sldLayoutId id="2147483713" r:id="rId5"/>
+    <p:sldLayoutId id="2147483714" r:id="rId6"/>
+    <p:sldLayoutId id="2147483715" r:id="rId7"/>
+    <p:sldLayoutId id="2147483716" r:id="rId8"/>
+    <p:sldLayoutId id="2147483717" r:id="rId9"/>
+    <p:sldLayoutId id="2147483718" r:id="rId10"/>
+    <p:sldLayoutId id="2147483719" r:id="rId11"/>
   </p:sldLayoutIdLst>
   <p:txStyles>
     <p:titleStyle>
-      <a:lvl1pPr algn="ctr" defTabSz="914400" rtl="0" eaLnBrk="1" latinLnBrk="0" hangingPunct="1">
+      <a:lvl1pPr algn="ctr" rtl="0" eaLnBrk="1" latinLnBrk="0" hangingPunct="1">
         <a:spcBef>
           <a:spcPct val="0"/>
         </a:spcBef>
         <a:buNone/>
-        <a:defRPr sz="4400" kern="1200">
-          <a:solidFill>
-            <a:schemeClr val="tx1"/>
-          </a:solidFill>
+        <a:defRPr kumimoji="0" sz="4100" b="1" kern="1200" cap="none" baseline="0">
+          <a:ln w="6350">
+            <a:noFill/>
+          </a:ln>
+          <a:gradFill>
+            <a:gsLst>
+              <a:gs pos="0">
+                <a:schemeClr val="accent1">
+                  <a:tint val="73000"/>
+                  <a:satMod val="145000"/>
+                </a:schemeClr>
+              </a:gs>
+              <a:gs pos="73000">
+                <a:schemeClr val="accent1">
+                  <a:tint val="73000"/>
+                  <a:satMod val="145000"/>
+                </a:schemeClr>
+              </a:gs>
+              <a:gs pos="100000">
+                <a:schemeClr val="accent1">
+                  <a:tint val="83000"/>
+                  <a:satMod val="143000"/>
+                </a:schemeClr>
+              </a:gs>
+            </a:gsLst>
+            <a:lin ang="4800000" scaled="1"/>
+          </a:gradFill>
+          <a:effectLst>
+            <a:outerShdw blurRad="114300" dist="101600" dir="2700000" algn="tl" rotWithShape="0">
+              <a:srgbClr val="000000">
+                <a:alpha val="40000"/>
+              </a:srgbClr>
+            </a:outerShdw>
+          </a:effectLst>
           <a:latin typeface="+mj-lt"/>
           <a:ea typeface="+mj-ea"/>
           <a:cs typeface="+mj-cs"/>
@@ -2848,13 +2761,19 @@
       </a:lvl1pPr>
     </p:titleStyle>
     <p:bodyStyle>
-      <a:lvl1pPr marL="342900" indent="-342900" algn="l" defTabSz="914400" rtl="0" eaLnBrk="1" latinLnBrk="0" hangingPunct="1">
+      <a:lvl1pPr marL="548640" indent="-411480" algn="l" rtl="0" eaLnBrk="1" latinLnBrk="0" hangingPunct="1">
         <a:spcBef>
           <a:spcPct val="20000"/>
         </a:spcBef>
-        <a:buFont typeface="Arial" pitchFamily="34" charset="0"/>
-        <a:buChar char="•"/>
-        <a:defRPr sz="3200" kern="1200">
+        <a:buClr>
+          <a:schemeClr val="tx1">
+            <a:shade val="95000"/>
+          </a:schemeClr>
+        </a:buClr>
+        <a:buSzPct val="65000"/>
+        <a:buFont typeface="Wingdings 2"/>
+        <a:buChar char=""/>
+        <a:defRPr kumimoji="0" sz="2800" kern="1200">
           <a:solidFill>
             <a:schemeClr val="tx1"/>
           </a:solidFill>
@@ -2863,13 +2782,17 @@
           <a:cs typeface="+mn-cs"/>
         </a:defRPr>
       </a:lvl1pPr>
-      <a:lvl2pPr marL="742950" indent="-285750" algn="l" defTabSz="914400" rtl="0" eaLnBrk="1" latinLnBrk="0" hangingPunct="1">
+      <a:lvl2pPr marL="868680" indent="-283464" algn="l" rtl="0" eaLnBrk="1" latinLnBrk="0" hangingPunct="1">
         <a:spcBef>
           <a:spcPct val="20000"/>
         </a:spcBef>
-        <a:buFont typeface="Arial" pitchFamily="34" charset="0"/>
-        <a:buChar char="–"/>
-        <a:defRPr sz="2800" kern="1200">
+        <a:buClr>
+          <a:schemeClr val="tx1"/>
+        </a:buClr>
+        <a:buSzPct val="80000"/>
+        <a:buFont typeface="Wingdings 2"/>
+        <a:buChar char=""/>
+        <a:defRPr kumimoji="0" sz="2400" kern="1200">
           <a:solidFill>
             <a:schemeClr val="tx1"/>
           </a:solidFill>
@@ -2878,13 +2801,17 @@
           <a:cs typeface="+mn-cs"/>
         </a:defRPr>
       </a:lvl2pPr>
-      <a:lvl3pPr marL="1143000" indent="-228600" algn="l" defTabSz="914400" rtl="0" eaLnBrk="1" latinLnBrk="0" hangingPunct="1">
+      <a:lvl3pPr marL="1133856" indent="-228600" algn="l" rtl="0" eaLnBrk="1" latinLnBrk="0" hangingPunct="1">
         <a:spcBef>
           <a:spcPct val="20000"/>
         </a:spcBef>
-        <a:buFont typeface="Arial" pitchFamily="34" charset="0"/>
-        <a:buChar char="•"/>
-        <a:defRPr sz="2400" kern="1200">
+        <a:buClr>
+          <a:schemeClr val="tx1"/>
+        </a:buClr>
+        <a:buSzPct val="95000"/>
+        <a:buFont typeface="Wingdings"/>
+        <a:buChar char=""/>
+        <a:defRPr kumimoji="0" sz="2200" kern="1200">
           <a:solidFill>
             <a:schemeClr val="tx1"/>
           </a:solidFill>
@@ -2893,13 +2820,17 @@
           <a:cs typeface="+mn-cs"/>
         </a:defRPr>
       </a:lvl3pPr>
-      <a:lvl4pPr marL="1600200" indent="-228600" algn="l" defTabSz="914400" rtl="0" eaLnBrk="1" latinLnBrk="0" hangingPunct="1">
+      <a:lvl4pPr marL="1353312" indent="-182880" algn="l" rtl="0" eaLnBrk="1" latinLnBrk="0" hangingPunct="1">
         <a:spcBef>
           <a:spcPct val="20000"/>
         </a:spcBef>
-        <a:buFont typeface="Arial" pitchFamily="34" charset="0"/>
-        <a:buChar char="–"/>
-        <a:defRPr sz="2000" kern="1200">
+        <a:buClr>
+          <a:schemeClr val="tx1"/>
+        </a:buClr>
+        <a:buSzPct val="100000"/>
+        <a:buFont typeface="Wingdings 3"/>
+        <a:buChar char=""/>
+        <a:defRPr kumimoji="0" sz="2000" kern="1200">
           <a:solidFill>
             <a:schemeClr val="tx1"/>
           </a:solidFill>
@@ -2908,13 +2839,16 @@
           <a:cs typeface="+mn-cs"/>
         </a:defRPr>
       </a:lvl4pPr>
-      <a:lvl5pPr marL="2057400" indent="-228600" algn="l" defTabSz="914400" rtl="0" eaLnBrk="1" latinLnBrk="0" hangingPunct="1">
+      <a:lvl5pPr marL="1545336" indent="-182880" algn="l" rtl="0" eaLnBrk="1" latinLnBrk="0" hangingPunct="1">
         <a:spcBef>
           <a:spcPct val="20000"/>
         </a:spcBef>
-        <a:buFont typeface="Arial" pitchFamily="34" charset="0"/>
-        <a:buChar char="»"/>
-        <a:defRPr sz="2000" kern="1200">
+        <a:buClr>
+          <a:schemeClr val="tx1"/>
+        </a:buClr>
+        <a:buFont typeface="Wingdings 2"/>
+        <a:buChar char=""/>
+        <a:defRPr kumimoji="0" sz="2000" kern="1200">
           <a:solidFill>
             <a:schemeClr val="tx1"/>
           </a:solidFill>
@@ -2923,13 +2857,16 @@
           <a:cs typeface="+mn-cs"/>
         </a:defRPr>
       </a:lvl5pPr>
-      <a:lvl6pPr marL="2514600" indent="-228600" algn="l" defTabSz="914400" rtl="0" eaLnBrk="1" latinLnBrk="0" hangingPunct="1">
+      <a:lvl6pPr marL="1764792" indent="-182880" algn="l" rtl="0" eaLnBrk="1" latinLnBrk="0" hangingPunct="1">
         <a:spcBef>
           <a:spcPct val="20000"/>
         </a:spcBef>
-        <a:buFont typeface="Arial" pitchFamily="34" charset="0"/>
-        <a:buChar char="•"/>
-        <a:defRPr sz="2000" kern="1200">
+        <a:buClr>
+          <a:schemeClr val="tx1"/>
+        </a:buClr>
+        <a:buFont typeface="Wingdings 3"/>
+        <a:buChar char=""/>
+        <a:defRPr kumimoji="0" sz="1800" kern="1200">
           <a:solidFill>
             <a:schemeClr val="tx1"/>
           </a:solidFill>
@@ -2938,13 +2875,16 @@
           <a:cs typeface="+mn-cs"/>
         </a:defRPr>
       </a:lvl6pPr>
-      <a:lvl7pPr marL="2971800" indent="-228600" algn="l" defTabSz="914400" rtl="0" eaLnBrk="1" latinLnBrk="0" hangingPunct="1">
+      <a:lvl7pPr marL="1965960" indent="-182880" algn="l" rtl="0" eaLnBrk="1" latinLnBrk="0" hangingPunct="1">
         <a:spcBef>
           <a:spcPct val="20000"/>
         </a:spcBef>
-        <a:buFont typeface="Arial" pitchFamily="34" charset="0"/>
-        <a:buChar char="•"/>
-        <a:defRPr sz="2000" kern="1200">
+        <a:buClr>
+          <a:schemeClr val="tx1"/>
+        </a:buClr>
+        <a:buFont typeface="Wingdings 2"/>
+        <a:buChar char=""/>
+        <a:defRPr kumimoji="0" sz="1600" kern="1200">
           <a:solidFill>
             <a:schemeClr val="tx1"/>
           </a:solidFill>
@@ -2953,13 +2893,16 @@
           <a:cs typeface="+mn-cs"/>
         </a:defRPr>
       </a:lvl7pPr>
-      <a:lvl8pPr marL="3429000" indent="-228600" algn="l" defTabSz="914400" rtl="0" eaLnBrk="1" latinLnBrk="0" hangingPunct="1">
+      <a:lvl8pPr marL="2167128" indent="-182880" algn="l" rtl="0" eaLnBrk="1" latinLnBrk="0" hangingPunct="1">
         <a:spcBef>
           <a:spcPct val="20000"/>
         </a:spcBef>
-        <a:buFont typeface="Arial" pitchFamily="34" charset="0"/>
-        <a:buChar char="•"/>
-        <a:defRPr sz="2000" kern="1200">
+        <a:buClr>
+          <a:schemeClr val="tx1"/>
+        </a:buClr>
+        <a:buFont typeface="Wingdings 2"/>
+        <a:buChar char=""/>
+        <a:defRPr kumimoji="0" sz="1400" kern="1200">
           <a:solidFill>
             <a:schemeClr val="tx1"/>
           </a:solidFill>
@@ -2968,13 +2911,16 @@
           <a:cs typeface="+mn-cs"/>
         </a:defRPr>
       </a:lvl8pPr>
-      <a:lvl9pPr marL="3886200" indent="-228600" algn="l" defTabSz="914400" rtl="0" eaLnBrk="1" latinLnBrk="0" hangingPunct="1">
+      <a:lvl9pPr marL="2368296" indent="-182880" algn="l" rtl="0" eaLnBrk="1" latinLnBrk="0" hangingPunct="1">
         <a:spcBef>
           <a:spcPct val="20000"/>
         </a:spcBef>
-        <a:buFont typeface="Arial" pitchFamily="34" charset="0"/>
-        <a:buChar char="•"/>
-        <a:defRPr sz="2000" kern="1200">
+        <a:buClr>
+          <a:schemeClr val="tx1"/>
+        </a:buClr>
+        <a:buFont typeface="Wingdings 2"/>
+        <a:buChar char=""/>
+        <a:defRPr kumimoji="0" sz="1400" kern="1200" baseline="0">
           <a:solidFill>
             <a:schemeClr val="tx1"/>
           </a:solidFill>
@@ -2985,11 +2931,8 @@
       </a:lvl9pPr>
     </p:bodyStyle>
     <p:otherStyle>
-      <a:defPPr>
-        <a:defRPr lang="fr-FR"/>
-      </a:defPPr>
-      <a:lvl1pPr marL="0" algn="l" defTabSz="914400" rtl="0" eaLnBrk="1" latinLnBrk="0" hangingPunct="1">
-        <a:defRPr sz="1800" kern="1200">
+      <a:lvl1pPr marL="0" algn="l" rtl="0" eaLnBrk="1" latinLnBrk="0" hangingPunct="1">
+        <a:defRPr kumimoji="0" kern="1200">
           <a:solidFill>
             <a:schemeClr val="tx1"/>
           </a:solidFill>
@@ -2998,8 +2941,8 @@
           <a:cs typeface="+mn-cs"/>
         </a:defRPr>
       </a:lvl1pPr>
-      <a:lvl2pPr marL="457200" algn="l" defTabSz="914400" rtl="0" eaLnBrk="1" latinLnBrk="0" hangingPunct="1">
-        <a:defRPr sz="1800" kern="1200">
+      <a:lvl2pPr marL="457200" algn="l" rtl="0" eaLnBrk="1" latinLnBrk="0" hangingPunct="1">
+        <a:defRPr kumimoji="0" kern="1200">
           <a:solidFill>
             <a:schemeClr val="tx1"/>
           </a:solidFill>
@@ -3008,8 +2951,8 @@
           <a:cs typeface="+mn-cs"/>
         </a:defRPr>
       </a:lvl2pPr>
-      <a:lvl3pPr marL="914400" algn="l" defTabSz="914400" rtl="0" eaLnBrk="1" latinLnBrk="0" hangingPunct="1">
-        <a:defRPr sz="1800" kern="1200">
+      <a:lvl3pPr marL="914400" algn="l" rtl="0" eaLnBrk="1" latinLnBrk="0" hangingPunct="1">
+        <a:defRPr kumimoji="0" kern="1200">
           <a:solidFill>
             <a:schemeClr val="tx1"/>
           </a:solidFill>
@@ -3018,8 +2961,8 @@
           <a:cs typeface="+mn-cs"/>
         </a:defRPr>
       </a:lvl3pPr>
-      <a:lvl4pPr marL="1371600" algn="l" defTabSz="914400" rtl="0" eaLnBrk="1" latinLnBrk="0" hangingPunct="1">
-        <a:defRPr sz="1800" kern="1200">
+      <a:lvl4pPr marL="1371600" algn="l" rtl="0" eaLnBrk="1" latinLnBrk="0" hangingPunct="1">
+        <a:defRPr kumimoji="0" kern="1200">
           <a:solidFill>
             <a:schemeClr val="tx1"/>
           </a:solidFill>
@@ -3028,8 +2971,8 @@
           <a:cs typeface="+mn-cs"/>
         </a:defRPr>
       </a:lvl4pPr>
-      <a:lvl5pPr marL="1828800" algn="l" defTabSz="914400" rtl="0" eaLnBrk="1" latinLnBrk="0" hangingPunct="1">
-        <a:defRPr sz="1800" kern="1200">
+      <a:lvl5pPr marL="1828800" algn="l" rtl="0" eaLnBrk="1" latinLnBrk="0" hangingPunct="1">
+        <a:defRPr kumimoji="0" kern="1200">
           <a:solidFill>
             <a:schemeClr val="tx1"/>
           </a:solidFill>
@@ -3038,8 +2981,8 @@
           <a:cs typeface="+mn-cs"/>
         </a:defRPr>
       </a:lvl5pPr>
-      <a:lvl6pPr marL="2286000" algn="l" defTabSz="914400" rtl="0" eaLnBrk="1" latinLnBrk="0" hangingPunct="1">
-        <a:defRPr sz="1800" kern="1200">
+      <a:lvl6pPr marL="2286000" algn="l" rtl="0" eaLnBrk="1" latinLnBrk="0" hangingPunct="1">
+        <a:defRPr kumimoji="0" kern="1200">
           <a:solidFill>
             <a:schemeClr val="tx1"/>
           </a:solidFill>
@@ -3048,8 +2991,8 @@
           <a:cs typeface="+mn-cs"/>
         </a:defRPr>
       </a:lvl6pPr>
-      <a:lvl7pPr marL="2743200" algn="l" defTabSz="914400" rtl="0" eaLnBrk="1" latinLnBrk="0" hangingPunct="1">
-        <a:defRPr sz="1800" kern="1200">
+      <a:lvl7pPr marL="2743200" algn="l" rtl="0" eaLnBrk="1" latinLnBrk="0" hangingPunct="1">
+        <a:defRPr kumimoji="0" kern="1200">
           <a:solidFill>
             <a:schemeClr val="tx1"/>
           </a:solidFill>
@@ -3058,8 +3001,8 @@
           <a:cs typeface="+mn-cs"/>
         </a:defRPr>
       </a:lvl7pPr>
-      <a:lvl8pPr marL="3200400" algn="l" defTabSz="914400" rtl="0" eaLnBrk="1" latinLnBrk="0" hangingPunct="1">
-        <a:defRPr sz="1800" kern="1200">
+      <a:lvl8pPr marL="3200400" algn="l" rtl="0" eaLnBrk="1" latinLnBrk="0" hangingPunct="1">
+        <a:defRPr kumimoji="0" kern="1200">
           <a:solidFill>
             <a:schemeClr val="tx1"/>
           </a:solidFill>
@@ -3068,8 +3011,8 @@
           <a:cs typeface="+mn-cs"/>
         </a:defRPr>
       </a:lvl8pPr>
-      <a:lvl9pPr marL="3657600" algn="l" defTabSz="914400" rtl="0" eaLnBrk="1" latinLnBrk="0" hangingPunct="1">
-        <a:defRPr sz="1800" kern="1200">
+      <a:lvl9pPr marL="3657600" algn="l" rtl="0" eaLnBrk="1" latinLnBrk="0" hangingPunct="1">
+        <a:defRPr kumimoji="0" kern="1200">
           <a:solidFill>
             <a:schemeClr val="tx1"/>
           </a:solidFill>
@@ -3159,8 +3102,8 @@
         </p:nvSpPr>
         <p:spPr>
           <a:xfrm>
-            <a:off x="179512" y="5517231"/>
-            <a:ext cx="2808312" cy="1200329"/>
+            <a:off x="214810" y="6163562"/>
+            <a:ext cx="2808312" cy="369332"/>
           </a:xfrm>
           <a:prstGeom prst="rect">
             <a:avLst/>
@@ -3175,6 +3118,81 @@
           <a:p>
             <a:r>
               <a:rPr lang="fr-FR" dirty="0" smtClean="0"/>
+              <a:t>Théo </a:t>
+            </a:r>
+            <a:r>
+              <a:rPr lang="fr-FR" dirty="0" err="1" smtClean="0"/>
+              <a:t>Biasutto-Lervat</a:t>
+            </a:r>
+            <a:endParaRPr lang="fr-FR" dirty="0"/>
+          </a:p>
+        </p:txBody>
+      </p:sp>
+      <p:pic>
+        <p:nvPicPr>
+          <p:cNvPr id="1026" name="Picture 2" descr="C:\Users\USER\Pictures\animaux-2-chat-geek-img.jpg"/>
+          <p:cNvPicPr>
+            <a:picLocks noChangeAspect="1" noChangeArrowheads="1"/>
+          </p:cNvPicPr>
+          <p:nvPr/>
+        </p:nvPicPr>
+        <p:blipFill>
+          <a:blip r:embed="rId2">
+            <a:extLst>
+              <a:ext uri="{28A0092B-C50C-407E-A947-70E740481C1C}">
+                <a14:useLocalDpi xmlns:a14="http://schemas.microsoft.com/office/drawing/2010/main" val="0"/>
+              </a:ext>
+            </a:extLst>
+          </a:blip>
+          <a:srcRect/>
+          <a:stretch>
+            <a:fillRect/>
+          </a:stretch>
+        </p:blipFill>
+        <p:spPr bwMode="auto">
+          <a:xfrm>
+            <a:off x="402287" y="617217"/>
+            <a:ext cx="1840649" cy="1225872"/>
+          </a:xfrm>
+          <a:prstGeom prst="rect">
+            <a:avLst/>
+          </a:prstGeom>
+          <a:noFill/>
+          <a:extLst>
+            <a:ext uri="{909E8E84-426E-40DD-AFC4-6F175D3DCCD1}">
+              <a14:hiddenFill xmlns:a14="http://schemas.microsoft.com/office/drawing/2010/main">
+                <a:solidFill>
+                  <a:srgbClr val="FFFFFF"/>
+                </a:solidFill>
+              </a14:hiddenFill>
+            </a:ext>
+          </a:extLst>
+        </p:spPr>
+      </p:pic>
+      <p:sp>
+        <p:nvSpPr>
+          <p:cNvPr id="4" name="TextBox 3"/>
+          <p:cNvSpPr txBox="1"/>
+          <p:nvPr/>
+        </p:nvSpPr>
+        <p:spPr>
+          <a:xfrm>
+            <a:off x="155466" y="188640"/>
+            <a:ext cx="2334293" cy="369332"/>
+          </a:xfrm>
+          <a:prstGeom prst="rect">
+            <a:avLst/>
+          </a:prstGeom>
+          <a:noFill/>
+        </p:spPr>
+        <p:txBody>
+          <a:bodyPr wrap="none" rtlCol="0">
+            <a:spAutoFit/>
+          </a:bodyPr>
+          <a:lstStyle/>
+          <a:p>
+            <a:r>
+              <a:rPr lang="fr-FR" dirty="0" smtClean="0"/>
               <a:t>Clément </a:t>
             </a:r>
             <a:r>
@@ -3183,6 +3201,29 @@
             </a:r>
             <a:endParaRPr lang="fr-FR" dirty="0" smtClean="0"/>
           </a:p>
+        </p:txBody>
+      </p:sp>
+      <p:sp>
+        <p:nvSpPr>
+          <p:cNvPr id="6" name="TextBox 5"/>
+          <p:cNvSpPr txBox="1"/>
+          <p:nvPr/>
+        </p:nvSpPr>
+        <p:spPr>
+          <a:xfrm>
+            <a:off x="7020272" y="188640"/>
+            <a:ext cx="1503938" cy="369332"/>
+          </a:xfrm>
+          <a:prstGeom prst="rect">
+            <a:avLst/>
+          </a:prstGeom>
+          <a:noFill/>
+        </p:spPr>
+        <p:txBody>
+          <a:bodyPr wrap="none" rtlCol="0">
+            <a:spAutoFit/>
+          </a:bodyPr>
+          <a:lstStyle/>
           <a:p>
             <a:r>
               <a:rPr lang="fr-FR" dirty="0" smtClean="0"/>
@@ -3192,27 +3233,163 @@
               <a:rPr lang="fr-FR" dirty="0" err="1" smtClean="0"/>
               <a:t>Daget</a:t>
             </a:r>
-            <a:endParaRPr lang="fr-FR" dirty="0" smtClean="0"/>
-          </a:p>
+            <a:endParaRPr lang="fr-FR" dirty="0"/>
+          </a:p>
+        </p:txBody>
+      </p:sp>
+      <p:pic>
+        <p:nvPicPr>
+          <p:cNvPr id="1027" name="Picture 3" descr="C:\Users\USER\Pictures\dog-in-an-office.jpg"/>
+          <p:cNvPicPr>
+            <a:picLocks noChangeAspect="1" noChangeArrowheads="1"/>
+          </p:cNvPicPr>
+          <p:nvPr/>
+        </p:nvPicPr>
+        <p:blipFill>
+          <a:blip r:embed="rId3">
+            <a:extLst>
+              <a:ext uri="{28A0092B-C50C-407E-A947-70E740481C1C}">
+                <a14:useLocalDpi xmlns:a14="http://schemas.microsoft.com/office/drawing/2010/main" val="0"/>
+              </a:ext>
+            </a:extLst>
+          </a:blip>
+          <a:srcRect/>
+          <a:stretch>
+            <a:fillRect/>
+          </a:stretch>
+        </p:blipFill>
+        <p:spPr bwMode="auto">
+          <a:xfrm>
+            <a:off x="6888722" y="617217"/>
+            <a:ext cx="1840292" cy="1225872"/>
+          </a:xfrm>
+          <a:prstGeom prst="rect">
+            <a:avLst/>
+          </a:prstGeom>
+          <a:noFill/>
+          <a:extLst>
+            <a:ext uri="{909E8E84-426E-40DD-AFC4-6F175D3DCCD1}">
+              <a14:hiddenFill xmlns:a14="http://schemas.microsoft.com/office/drawing/2010/main">
+                <a:solidFill>
+                  <a:srgbClr val="FFFFFF"/>
+                </a:solidFill>
+              </a14:hiddenFill>
+            </a:ext>
+          </a:extLst>
+        </p:spPr>
+      </p:pic>
+      <p:pic>
+        <p:nvPicPr>
+          <p:cNvPr id="1028" name="Picture 4" descr="C:\Users\USER\Pictures\I-heard-hes-good-at-coding-l.jpg"/>
+          <p:cNvPicPr>
+            <a:picLocks noChangeAspect="1" noChangeArrowheads="1"/>
+          </p:cNvPicPr>
+          <p:nvPr/>
+        </p:nvPicPr>
+        <p:blipFill>
+          <a:blip r:embed="rId4">
+            <a:extLst>
+              <a:ext uri="{28A0092B-C50C-407E-A947-70E740481C1C}">
+                <a14:useLocalDpi xmlns:a14="http://schemas.microsoft.com/office/drawing/2010/main" val="0"/>
+              </a:ext>
+            </a:extLst>
+          </a:blip>
+          <a:srcRect/>
+          <a:stretch>
+            <a:fillRect/>
+          </a:stretch>
+        </p:blipFill>
+        <p:spPr bwMode="auto">
+          <a:xfrm>
+            <a:off x="6851916" y="4797152"/>
+            <a:ext cx="1840649" cy="1218793"/>
+          </a:xfrm>
+          <a:prstGeom prst="rect">
+            <a:avLst/>
+          </a:prstGeom>
+          <a:noFill/>
+          <a:extLst>
+            <a:ext uri="{909E8E84-426E-40DD-AFC4-6F175D3DCCD1}">
+              <a14:hiddenFill xmlns:a14="http://schemas.microsoft.com/office/drawing/2010/main">
+                <a:solidFill>
+                  <a:srgbClr val="FFFFFF"/>
+                </a:solidFill>
+              </a14:hiddenFill>
+            </a:ext>
+          </a:extLst>
+        </p:spPr>
+      </p:pic>
+      <p:sp>
+        <p:nvSpPr>
+          <p:cNvPr id="7" name="TextBox 6"/>
+          <p:cNvSpPr txBox="1"/>
+          <p:nvPr/>
+        </p:nvSpPr>
+        <p:spPr>
+          <a:xfrm>
+            <a:off x="6786233" y="6163562"/>
+            <a:ext cx="1972015" cy="369332"/>
+          </a:xfrm>
+          <a:prstGeom prst="rect">
+            <a:avLst/>
+          </a:prstGeom>
+          <a:noFill/>
+        </p:spPr>
+        <p:txBody>
+          <a:bodyPr wrap="none" rtlCol="0">
+            <a:spAutoFit/>
+          </a:bodyPr>
+          <a:lstStyle/>
           <a:p>
             <a:r>
               <a:rPr lang="fr-FR" dirty="0" smtClean="0"/>
               <a:t>Alexandre Frantz</a:t>
             </a:r>
-          </a:p>
-          <a:p>
-            <a:r>
-              <a:rPr lang="fr-FR" dirty="0" smtClean="0"/>
-              <a:t>Théo </a:t>
-            </a:r>
-            <a:r>
-              <a:rPr lang="fr-FR" dirty="0" err="1" smtClean="0"/>
-              <a:t>Biasutto-Lervat</a:t>
-            </a:r>
             <a:endParaRPr lang="fr-FR" dirty="0"/>
           </a:p>
         </p:txBody>
       </p:sp>
+      <p:pic>
+        <p:nvPicPr>
+          <p:cNvPr id="1029" name="Picture 5" descr="C:\Users\USER\Pictures\aa50c_dog-computer1.jpg"/>
+          <p:cNvPicPr>
+            <a:picLocks noChangeAspect="1" noChangeArrowheads="1"/>
+          </p:cNvPicPr>
+          <p:nvPr/>
+        </p:nvPicPr>
+        <p:blipFill>
+          <a:blip r:embed="rId5">
+            <a:extLst>
+              <a:ext uri="{28A0092B-C50C-407E-A947-70E740481C1C}">
+                <a14:useLocalDpi xmlns:a14="http://schemas.microsoft.com/office/drawing/2010/main" val="0"/>
+              </a:ext>
+            </a:extLst>
+          </a:blip>
+          <a:srcRect/>
+          <a:stretch>
+            <a:fillRect/>
+          </a:stretch>
+        </p:blipFill>
+        <p:spPr bwMode="auto">
+          <a:xfrm>
+            <a:off x="337533" y="4758985"/>
+            <a:ext cx="1840649" cy="1225872"/>
+          </a:xfrm>
+          <a:prstGeom prst="rect">
+            <a:avLst/>
+          </a:prstGeom>
+          <a:noFill/>
+          <a:extLst>
+            <a:ext uri="{909E8E84-426E-40DD-AFC4-6F175D3DCCD1}">
+              <a14:hiddenFill xmlns:a14="http://schemas.microsoft.com/office/drawing/2010/main">
+                <a:solidFill>
+                  <a:srgbClr val="FFFFFF"/>
+                </a:solidFill>
+              </a14:hiddenFill>
+            </a:ext>
+          </a:extLst>
+        </p:spPr>
+      </p:pic>
     </p:spTree>
     <p:extLst>
       <p:ext uri="{BB962C8B-B14F-4D97-AF65-F5344CB8AC3E}">
@@ -3223,6 +3400,13 @@
   <p:clrMapOvr>
     <a:masterClrMapping/>
   </p:clrMapOvr>
+  <p:timing>
+    <p:tnLst>
+      <p:par>
+        <p:cTn id="1" dur="indefinite" restart="never" nodeType="tmRoot"/>
+      </p:par>
+    </p:tnLst>
+  </p:timing>
 </p:sld>
 </file>
 
@@ -3255,12 +3439,18 @@
         </p:nvSpPr>
         <p:spPr/>
         <p:txBody>
-          <a:bodyPr/>
+          <a:bodyPr>
+            <a:normAutofit fontScale="90000"/>
+          </a:bodyPr>
           <a:lstStyle/>
           <a:p>
             <a:r>
               <a:rPr lang="fr-FR" dirty="0" smtClean="0"/>
-              <a:t>Principe de fonctionnement (1/x)</a:t>
+              <a:t>Principe de fonctionnement (</a:t>
+            </a:r>
+            <a:r>
+              <a:rPr lang="fr-FR" dirty="0" smtClean="0"/>
+              <a:t>1/2)</a:t>
             </a:r>
             <a:endParaRPr lang="fr-FR" dirty="0"/>
           </a:p>
@@ -3278,7 +3468,9 @@
         </p:nvSpPr>
         <p:spPr/>
         <p:txBody>
-          <a:bodyPr/>
+          <a:bodyPr>
+            <a:normAutofit/>
+          </a:bodyPr>
           <a:lstStyle/>
           <a:p>
             <a:pPr marL="0" indent="0">
@@ -3286,20 +3478,25 @@
             </a:pPr>
             <a:r>
               <a:rPr lang="fr-FR" b="1" u="sng" dirty="0" smtClean="0"/>
-              <a:t>Log In :</a:t>
-            </a:r>
-          </a:p>
-          <a:p>
-            <a:pPr marL="0" indent="0">
-              <a:buNone/>
+              <a:t>Log </a:t>
+            </a:r>
+            <a:r>
+              <a:rPr lang="fr-FR" b="1" u="sng" dirty="0" smtClean="0"/>
+              <a:t>In :</a:t>
+            </a:r>
+          </a:p>
+          <a:p>
+            <a:pPr marL="342900" indent="-342900">
+              <a:buFontTx/>
+              <a:buChar char="-"/>
             </a:pPr>
             <a:r>
-              <a:rPr lang="fr-FR" dirty="0" smtClean="0"/>
-              <a:t>- </a:t>
-            </a:r>
-            <a:r>
               <a:rPr lang="fr-FR" sz="2000" dirty="0" smtClean="0"/>
-              <a:t>Cliquez sur « log in». Une adresse </a:t>
+              <a:t>Cliquez </a:t>
+            </a:r>
+            <a:r>
+              <a:rPr lang="fr-FR" sz="2000" dirty="0" smtClean="0"/>
+              <a:t>sur « log in». Une adresse </a:t>
             </a:r>
             <a:r>
               <a:rPr lang="fr-FR" sz="2000" dirty="0" err="1" smtClean="0"/>
@@ -3311,8 +3508,13 @@
             </a:r>
             <a:r>
               <a:rPr lang="fr-FR" sz="2000" dirty="0" smtClean="0"/>
-              <a:t>vous sera demandé</a:t>
-            </a:r>
+              <a:t>vous sera </a:t>
+            </a:r>
+            <a:r>
+              <a:rPr lang="fr-FR" sz="2000" dirty="0" smtClean="0"/>
+              <a:t>demandé</a:t>
+            </a:r>
+            <a:endParaRPr lang="fr-FR" sz="2000" dirty="0"/>
           </a:p>
           <a:p>
             <a:pPr marL="0" indent="0">
@@ -3320,7 +3522,11 @@
             </a:pPr>
             <a:r>
               <a:rPr lang="fr-FR" b="1" u="sng" dirty="0" smtClean="0"/>
-              <a:t>Créer un voyage :</a:t>
+              <a:t>Créer </a:t>
+            </a:r>
+            <a:r>
+              <a:rPr lang="fr-FR" b="1" u="sng" dirty="0" smtClean="0"/>
+              <a:t>un voyage :</a:t>
             </a:r>
           </a:p>
           <a:p>
@@ -3348,7 +3554,11 @@
             </a:pPr>
             <a:r>
               <a:rPr lang="fr-FR" sz="2000" dirty="0" smtClean="0"/>
-              <a:t>Remplir les champs du formulaire</a:t>
+              <a:t>Remplir les champs du </a:t>
+            </a:r>
+            <a:r>
+              <a:rPr lang="fr-FR" sz="2000" dirty="0" smtClean="0"/>
+              <a:t>formulaire</a:t>
             </a:r>
           </a:p>
           <a:p>
@@ -3357,7 +3567,11 @@
             </a:pPr>
             <a:r>
               <a:rPr lang="fr-FR" b="1" u="sng" dirty="0" smtClean="0"/>
-              <a:t>Ajouter des amis :</a:t>
+              <a:t>Ajouter </a:t>
+            </a:r>
+            <a:r>
+              <a:rPr lang="fr-FR" b="1" u="sng" dirty="0" smtClean="0"/>
+              <a:t>des amis :</a:t>
             </a:r>
           </a:p>
           <a:p>
@@ -3385,8 +3599,13 @@
             </a:pPr>
             <a:r>
               <a:rPr lang="fr-FR" sz="2000" dirty="0" smtClean="0"/>
-              <a:t>Un e-mail contenant l’url de la page lui sera automatiquement envoyé pour le prévenir</a:t>
-            </a:r>
+              <a:t>Un e-mail contenant l’url de la page lui sera automatiquement envoyé pour le </a:t>
+            </a:r>
+            <a:r>
+              <a:rPr lang="fr-FR" sz="2000" dirty="0" smtClean="0"/>
+              <a:t>prévenir</a:t>
+            </a:r>
+            <a:endParaRPr lang="fr-FR" sz="2000" dirty="0" smtClean="0"/>
           </a:p>
           <a:p>
             <a:pPr marL="0" indent="0">
@@ -3406,6 +3625,13 @@
   <p:clrMapOvr>
     <a:masterClrMapping/>
   </p:clrMapOvr>
+  <p:timing>
+    <p:tnLst>
+      <p:par>
+        <p:cTn id="1" dur="indefinite" restart="never" nodeType="tmRoot"/>
+      </p:par>
+    </p:tnLst>
+  </p:timing>
 </p:sld>
 </file>
 
@@ -3438,12 +3664,18 @@
         </p:nvSpPr>
         <p:spPr/>
         <p:txBody>
-          <a:bodyPr/>
+          <a:bodyPr>
+            <a:normAutofit fontScale="90000"/>
+          </a:bodyPr>
           <a:lstStyle/>
           <a:p>
             <a:r>
               <a:rPr lang="fr-FR" dirty="0" smtClean="0"/>
-              <a:t>Principe de fonctionnement (2/x)</a:t>
+              <a:t>Principe de fonctionnement (</a:t>
+            </a:r>
+            <a:r>
+              <a:rPr lang="fr-FR" dirty="0" smtClean="0"/>
+              <a:t>2/2)</a:t>
             </a:r>
             <a:endParaRPr lang="fr-FR" dirty="0"/>
           </a:p>
@@ -3461,7 +3693,9 @@
         </p:nvSpPr>
         <p:spPr/>
         <p:txBody>
-          <a:bodyPr/>
+          <a:bodyPr>
+            <a:normAutofit fontScale="92500" lnSpcReduction="10000"/>
+          </a:bodyPr>
           <a:lstStyle/>
           <a:p>
             <a:pPr marL="0" indent="0">
@@ -3469,26 +3703,87 @@
             </a:pPr>
             <a:r>
               <a:rPr lang="fr-FR" b="1" u="sng" dirty="0" smtClean="0"/>
-              <a:t>Poster un commentaire :</a:t>
-            </a:r>
+              <a:t>Supprimer un voyage :</a:t>
+            </a:r>
+          </a:p>
+          <a:p>
+            <a:pPr marL="342900" indent="-342900">
+              <a:buFontTx/>
+              <a:buChar char="-"/>
+            </a:pPr>
+            <a:r>
+              <a:rPr lang="fr-FR" sz="2200" dirty="0" smtClean="0"/>
+              <a:t>Cliquez sur le bouton « </a:t>
+            </a:r>
+            <a:r>
+              <a:rPr lang="fr-FR" sz="2200" dirty="0" err="1" smtClean="0"/>
+              <a:t>delete</a:t>
+            </a:r>
+            <a:r>
+              <a:rPr lang="fr-FR" sz="2200" dirty="0" smtClean="0"/>
+              <a:t> </a:t>
+            </a:r>
+            <a:r>
+              <a:rPr lang="fr-FR" sz="2200" dirty="0" err="1" smtClean="0"/>
+              <a:t>travel</a:t>
+            </a:r>
+            <a:r>
+              <a:rPr lang="fr-FR" sz="2200" dirty="0" smtClean="0"/>
+              <a:t> » pour supprimer un voyage</a:t>
+            </a:r>
+          </a:p>
+          <a:p>
+            <a:pPr marL="342900" indent="-342900">
+              <a:buFontTx/>
+              <a:buChar char="-"/>
+            </a:pPr>
+            <a:endParaRPr lang="fr-FR" sz="2200" dirty="0" smtClean="0"/>
           </a:p>
           <a:p>
             <a:pPr marL="0" indent="0">
               <a:buNone/>
             </a:pPr>
             <a:r>
+              <a:rPr lang="fr-FR" b="1" u="sng" dirty="0" smtClean="0"/>
+              <a:t>Poster </a:t>
+            </a:r>
+            <a:r>
+              <a:rPr lang="fr-FR" b="1" u="sng" dirty="0" smtClean="0"/>
+              <a:t>un commentaire :</a:t>
+            </a:r>
+          </a:p>
+          <a:p>
+            <a:pPr marL="0" indent="0">
+              <a:buNone/>
+            </a:pPr>
+            <a:r>
               <a:rPr lang="fr-FR" sz="2000" dirty="0" smtClean="0"/>
-              <a:t>Ça fait jolie mais ça marche pas vraiment</a:t>
+              <a:t>Ça fait jolie mais ça marche pas </a:t>
+            </a:r>
+            <a:r>
+              <a:rPr lang="fr-FR" sz="2000" dirty="0" smtClean="0"/>
+              <a:t>vraiment</a:t>
             </a:r>
           </a:p>
           <a:p>
             <a:pPr marL="0" indent="0">
               <a:buNone/>
             </a:pPr>
+            <a:endParaRPr lang="fr-FR" sz="2000" dirty="0" smtClean="0"/>
+          </a:p>
+          <a:p>
+            <a:pPr marL="0" indent="0">
+              <a:buNone/>
+            </a:pPr>
             <a:r>
               <a:rPr lang="fr-FR" b="1" u="sng" dirty="0" smtClean="0"/>
-              <a:t>Voir les détails :</a:t>
-            </a:r>
+              <a:t>Voir les détails </a:t>
+            </a:r>
+            <a:r>
+              <a:rPr lang="fr-FR" b="1" u="sng" dirty="0" smtClean="0"/>
+              <a:t>des offres :</a:t>
+            </a:r>
+            <a:endParaRPr lang="fr-FR" b="1" u="sng" dirty="0" smtClean="0"/>
           </a:p>
           <a:p>
             <a:pPr>
@@ -3578,6 +3873,13 @@
   <p:clrMapOvr>
     <a:masterClrMapping/>
   </p:clrMapOvr>
+  <p:timing>
+    <p:tnLst>
+      <p:par>
+        <p:cTn id="1" dur="indefinite" restart="never" nodeType="tmRoot"/>
+      </p:par>
+    </p:tnLst>
+  </p:timing>
 </p:sld>
 </file>
 
@@ -3615,7 +3917,11 @@
           <a:p>
             <a:r>
               <a:rPr lang="fr-FR" dirty="0" smtClean="0"/>
-              <a:t>Limite (1/x)</a:t>
+              <a:t>Limite (</a:t>
+            </a:r>
+            <a:r>
+              <a:rPr lang="fr-FR" dirty="0" smtClean="0"/>
+              <a:t>1/1)</a:t>
             </a:r>
             <a:endParaRPr lang="fr-FR" dirty="0"/>
           </a:p>
@@ -3678,9 +3984,40 @@
             </a:r>
             <a:r>
               <a:rPr lang="fr-FR" sz="2000" dirty="0" smtClean="0"/>
-              <a:t> (le code a été repris sur https://disqus.com)</a:t>
+              <a:t> (le code a été repris sur </a:t>
+            </a:r>
+            <a:r>
+              <a:rPr lang="fr-FR" sz="2000" dirty="0" smtClean="0">
+                <a:hlinkClick r:id="rId2"/>
+              </a:rPr>
+              <a:t>https://disqus.com</a:t>
+            </a:r>
+            <a:r>
+              <a:rPr lang="fr-FR" sz="2000" dirty="0" smtClean="0"/>
+              <a:t>)</a:t>
             </a:r>
             <a:endParaRPr lang="fr-FR" sz="2000" dirty="0"/>
+          </a:p>
+          <a:p>
+            <a:pPr>
+              <a:buFontTx/>
+              <a:buChar char="-"/>
+            </a:pPr>
+            <a:r>
+              <a:rPr lang="fr-FR" sz="2000" dirty="0" smtClean="0"/>
+              <a:t>Aucune modification possible d’un voyage après sa création. Si ça ne convient pas, il faut recréer un voyage.</a:t>
+            </a:r>
+          </a:p>
+          <a:p>
+            <a:pPr>
+              <a:buFontTx/>
+              <a:buChar char="-"/>
+            </a:pPr>
+            <a:r>
+              <a:rPr lang="fr-FR" sz="2000" dirty="0" smtClean="0"/>
+              <a:t>On peut créer un voyage avec un nom de ville qui n’existe pas. Ca ne génèrera pas d’erreur mais ça ne sert à rien</a:t>
+            </a:r>
+            <a:endParaRPr lang="fr-FR" sz="2000" dirty="0" smtClean="0"/>
           </a:p>
         </p:txBody>
       </p:sp>
@@ -3694,6 +4031,13 @@
   <p:clrMapOvr>
     <a:masterClrMapping/>
   </p:clrMapOvr>
+  <p:timing>
+    <p:tnLst>
+      <p:par>
+        <p:cTn id="1" dur="indefinite" restart="never" nodeType="tmRoot"/>
+      </p:par>
+    </p:tnLst>
+  </p:timing>
 </p:sld>
 </file>
 
@@ -3733,7 +4077,11 @@
           <a:p>
             <a:r>
               <a:rPr lang="fr-FR" dirty="0" smtClean="0"/>
-              <a:t>Extensions (1/x)</a:t>
+              <a:t>Extensions (</a:t>
+            </a:r>
+            <a:r>
+              <a:rPr lang="fr-FR" dirty="0" smtClean="0"/>
+              <a:t>1/1)</a:t>
             </a:r>
             <a:endParaRPr lang="fr-FR" dirty="0"/>
           </a:p>
@@ -3791,7 +4139,36 @@
             </a:pPr>
             <a:r>
               <a:rPr lang="fr-FR" sz="2000" dirty="0" smtClean="0"/>
-              <a:t>La recherche de logement se ferait alors selon le nouveau budget.</a:t>
+              <a:t>La recherche de logement se ferait alors selon le nouveau budget</a:t>
+            </a:r>
+            <a:r>
+              <a:rPr lang="fr-FR" sz="2000" dirty="0" smtClean="0"/>
+              <a:t>.</a:t>
+            </a:r>
+          </a:p>
+          <a:p>
+            <a:pPr marL="0" indent="0">
+              <a:buNone/>
+            </a:pPr>
+            <a:endParaRPr lang="fr-FR" sz="2000" dirty="0"/>
+          </a:p>
+          <a:p>
+            <a:pPr marL="0" indent="0">
+              <a:buNone/>
+            </a:pPr>
+            <a:r>
+              <a:rPr lang="fr-FR" b="1" u="sng" dirty="0" smtClean="0"/>
+              <a:t>Modification d’un voyage :</a:t>
+            </a:r>
+          </a:p>
+          <a:p>
+            <a:pPr>
+              <a:buFontTx/>
+              <a:buChar char="-"/>
+            </a:pPr>
+            <a:r>
+              <a:rPr lang="fr-FR" sz="2000" dirty="0" smtClean="0"/>
+              <a:t>Permette au créateur d’un voyage de modifier certain paramètre après la création du voyage.</a:t>
             </a:r>
           </a:p>
         </p:txBody>
@@ -3806,6 +4183,13 @@
   <p:clrMapOvr>
     <a:masterClrMapping/>
   </p:clrMapOvr>
+  <p:timing>
+    <p:tnLst>
+      <p:par>
+        <p:cTn id="1" dur="indefinite" restart="never" nodeType="tmRoot"/>
+      </p:par>
+    </p:tnLst>
+  </p:timing>
 </p:sld>
 </file>
 
@@ -3845,7 +4229,11 @@
           <a:p>
             <a:r>
               <a:rPr lang="fr-FR" dirty="0" smtClean="0"/>
-              <a:t>Problème rencontré (1/x)</a:t>
+              <a:t>Problème rencontré (</a:t>
+            </a:r>
+            <a:r>
+              <a:rPr lang="fr-FR" dirty="0" smtClean="0"/>
+              <a:t>1/1)</a:t>
             </a:r>
             <a:endParaRPr lang="fr-FR" dirty="0"/>
           </a:p>
@@ -3863,7 +4251,9 @@
         </p:nvSpPr>
         <p:spPr/>
         <p:txBody>
-          <a:bodyPr/>
+          <a:bodyPr>
+            <a:normAutofit lnSpcReduction="10000"/>
+          </a:bodyPr>
           <a:lstStyle/>
           <a:p>
             <a:pPr marL="0" indent="0">
@@ -3945,13 +4335,20 @@
   <p:clrMapOvr>
     <a:masterClrMapping/>
   </p:clrMapOvr>
+  <p:timing>
+    <p:tnLst>
+      <p:par>
+        <p:cTn id="1" dur="indefinite" restart="never" nodeType="tmRoot"/>
+      </p:par>
+    </p:tnLst>
+  </p:timing>
 </p:sld>
 </file>
 
 <file path=ppt/theme/theme1.xml><?xml version="1.0" encoding="utf-8"?>
-<a:theme xmlns:a="http://schemas.openxmlformats.org/drawingml/2006/main" name="Office Theme">
+<a:theme xmlns:a="http://schemas.openxmlformats.org/drawingml/2006/main" name="Apex">
   <a:themeElements>
-    <a:clrScheme name="Office">
+    <a:clrScheme name="Apex">
       <a:dk1>
         <a:sysClr val="windowText" lastClr="000000"/>
       </a:dk1>
@@ -3959,48 +4356,87 @@
         <a:sysClr val="window" lastClr="FFFFFF"/>
       </a:lt1>
       <a:dk2>
-        <a:srgbClr val="1F497D"/>
+        <a:srgbClr val="69676D"/>
       </a:dk2>
       <a:lt2>
-        <a:srgbClr val="EEECE1"/>
+        <a:srgbClr val="C9C2D1"/>
       </a:lt2>
       <a:accent1>
-        <a:srgbClr val="4F81BD"/>
+        <a:srgbClr val="CEB966"/>
       </a:accent1>
       <a:accent2>
-        <a:srgbClr val="C0504D"/>
+        <a:srgbClr val="9CB084"/>
       </a:accent2>
       <a:accent3>
-        <a:srgbClr val="9BBB59"/>
+        <a:srgbClr val="6BB1C9"/>
       </a:accent3>
       <a:accent4>
-        <a:srgbClr val="8064A2"/>
+        <a:srgbClr val="6585CF"/>
       </a:accent4>
       <a:accent5>
-        <a:srgbClr val="4BACC6"/>
+        <a:srgbClr val="7E6BC9"/>
       </a:accent5>
       <a:accent6>
-        <a:srgbClr val="F79646"/>
+        <a:srgbClr val="A379BB"/>
       </a:accent6>
       <a:hlink>
-        <a:srgbClr val="0000FF"/>
+        <a:srgbClr val="410082"/>
       </a:hlink>
       <a:folHlink>
-        <a:srgbClr val="800080"/>
+        <a:srgbClr val="932968"/>
       </a:folHlink>
     </a:clrScheme>
-    <a:fontScheme name="Office">
+    <a:fontScheme name="Apex">
       <a:majorFont>
-        <a:latin typeface="Calibri"/>
+        <a:latin typeface="Lucida Sans"/>
         <a:ea typeface=""/>
         <a:cs typeface=""/>
-        <a:font script="Jpan" typeface="ＭＳ Ｐゴシック"/>
-        <a:font script="Hang" typeface="맑은 고딕"/>
+        <a:font script="Grek" typeface="Arial"/>
+        <a:font script="Cyrl" typeface="Arial"/>
+        <a:font script="Jpan" typeface="HG丸ｺﾞｼｯｸM-PRO"/>
+        <a:font script="Hang" typeface="휴먼옛체"/>
+        <a:font script="Hans" typeface="黑体"/>
+        <a:font script="Hant" typeface="微軟正黑體"/>
+        <a:font script="Arab" typeface="Tahoma"/>
+        <a:font script="Hebr" typeface="Levenim MT"/>
+        <a:font script="Thai" typeface="FreesiaUPC"/>
+        <a:font script="Ethi" typeface="Nyala"/>
+        <a:font script="Beng" typeface="Vrinda"/>
+        <a:font script="Gujr" typeface="Shruti"/>
+        <a:font script="Khmr" typeface="DaunPenh"/>
+        <a:font script="Knda" typeface="Tunga"/>
+        <a:font script="Guru" typeface="Raavi"/>
+        <a:font script="Cans" typeface="Euphemia"/>
+        <a:font script="Cher" typeface="Plantagenet Cherokee"/>
+        <a:font script="Yiii" typeface="Microsoft Yi Baiti"/>
+        <a:font script="Tibt" typeface="Microsoft Himalaya"/>
+        <a:font script="Thaa" typeface="MV Boli"/>
+        <a:font script="Deva" typeface="Mangal"/>
+        <a:font script="Telu" typeface="Gautami"/>
+        <a:font script="Taml" typeface="Latha"/>
+        <a:font script="Syrc" typeface="Estrangelo Edessa"/>
+        <a:font script="Orya" typeface="Kalinga"/>
+        <a:font script="Mlym" typeface="Kartika"/>
+        <a:font script="Laoo" typeface="DokChampa"/>
+        <a:font script="Sinh" typeface="Iskoola Pota"/>
+        <a:font script="Mong" typeface="Mongolian Baiti"/>
+        <a:font script="Viet" typeface="Tahoma"/>
+        <a:font script="Uigh" typeface="Microsoft Uighur"/>
+        <a:font script="Geor" typeface="Sylfaen"/>
+      </a:majorFont>
+      <a:minorFont>
+        <a:latin typeface="Book Antiqua"/>
+        <a:ea typeface=""/>
+        <a:cs typeface=""/>
+        <a:font script="Grek" typeface="Times New Roman"/>
+        <a:font script="Cyrl" typeface="Times New Roman"/>
+        <a:font script="Jpan" typeface="HG明朝B"/>
+        <a:font script="Hang" typeface="돋움"/>
         <a:font script="Hans" typeface="宋体"/>
         <a:font script="Hant" typeface="新細明體"/>
         <a:font script="Arab" typeface="Times New Roman"/>
-        <a:font script="Hebr" typeface="Times New Roman"/>
-        <a:font script="Thai" typeface="Angsana New"/>
+        <a:font script="Hebr" typeface="David"/>
+        <a:font script="Thai" typeface="EucrosiaUPC"/>
         <a:font script="Ethi" typeface="Nyala"/>
         <a:font script="Beng" typeface="Vrinda"/>
         <a:font script="Gujr" typeface="Shruti"/>
@@ -4024,101 +4460,75 @@
         <a:font script="Viet" typeface="Times New Roman"/>
         <a:font script="Uigh" typeface="Microsoft Uighur"/>
         <a:font script="Geor" typeface="Sylfaen"/>
-      </a:majorFont>
-      <a:minorFont>
-        <a:latin typeface="Calibri"/>
-        <a:ea typeface=""/>
-        <a:cs typeface=""/>
-        <a:font script="Jpan" typeface="ＭＳ Ｐゴシック"/>
-        <a:font script="Hang" typeface="맑은 고딕"/>
-        <a:font script="Hans" typeface="宋体"/>
-        <a:font script="Hant" typeface="新細明體"/>
-        <a:font script="Arab" typeface="Arial"/>
-        <a:font script="Hebr" typeface="Arial"/>
-        <a:font script="Thai" typeface="Cordia New"/>
-        <a:font script="Ethi" typeface="Nyala"/>
-        <a:font script="Beng" typeface="Vrinda"/>
-        <a:font script="Gujr" typeface="Shruti"/>
-        <a:font script="Khmr" typeface="DaunPenh"/>
-        <a:font script="Knda" typeface="Tunga"/>
-        <a:font script="Guru" typeface="Raavi"/>
-        <a:font script="Cans" typeface="Euphemia"/>
-        <a:font script="Cher" typeface="Plantagenet Cherokee"/>
-        <a:font script="Yiii" typeface="Microsoft Yi Baiti"/>
-        <a:font script="Tibt" typeface="Microsoft Himalaya"/>
-        <a:font script="Thaa" typeface="MV Boli"/>
-        <a:font script="Deva" typeface="Mangal"/>
-        <a:font script="Telu" typeface="Gautami"/>
-        <a:font script="Taml" typeface="Latha"/>
-        <a:font script="Syrc" typeface="Estrangelo Edessa"/>
-        <a:font script="Orya" typeface="Kalinga"/>
-        <a:font script="Mlym" typeface="Kartika"/>
-        <a:font script="Laoo" typeface="DokChampa"/>
-        <a:font script="Sinh" typeface="Iskoola Pota"/>
-        <a:font script="Mong" typeface="Mongolian Baiti"/>
-        <a:font script="Viet" typeface="Arial"/>
-        <a:font script="Uigh" typeface="Microsoft Uighur"/>
-        <a:font script="Geor" typeface="Sylfaen"/>
       </a:minorFont>
     </a:fontScheme>
-    <a:fmtScheme name="Office">
+    <a:fmtScheme name="Apex">
       <a:fillStyleLst>
         <a:solidFill>
           <a:schemeClr val="phClr"/>
         </a:solidFill>
         <a:gradFill rotWithShape="1">
           <a:gsLst>
-            <a:gs pos="0">
+            <a:gs pos="20000">
               <a:schemeClr val="phClr">
-                <a:tint val="50000"/>
-                <a:satMod val="300000"/>
-              </a:schemeClr>
-            </a:gs>
-            <a:gs pos="35000">
-              <a:schemeClr val="phClr">
-                <a:tint val="37000"/>
-                <a:satMod val="300000"/>
+                <a:tint val="9000"/>
               </a:schemeClr>
             </a:gs>
             <a:gs pos="100000">
               <a:schemeClr val="phClr">
-                <a:tint val="15000"/>
-                <a:satMod val="350000"/>
+                <a:tint val="70000"/>
+                <a:satMod val="100000"/>
               </a:schemeClr>
             </a:gs>
           </a:gsLst>
-          <a:lin ang="16200000" scaled="1"/>
+          <a:path path="circle">
+            <a:fillToRect l="-15000" t="-15000" r="115000" b="115000"/>
+          </a:path>
         </a:gradFill>
         <a:gradFill rotWithShape="1">
           <a:gsLst>
             <a:gs pos="0">
               <a:schemeClr val="phClr">
-                <a:shade val="51000"/>
-                <a:satMod val="130000"/>
+                <a:shade val="60000"/>
               </a:schemeClr>
             </a:gs>
-            <a:gs pos="80000">
+            <a:gs pos="33000">
               <a:schemeClr val="phClr">
-                <a:shade val="93000"/>
-                <a:satMod val="130000"/>
+                <a:tint val="86500"/>
+              </a:schemeClr>
+            </a:gs>
+            <a:gs pos="46750">
+              <a:schemeClr val="phClr">
+                <a:tint val="71000"/>
+                <a:satMod val="112000"/>
+              </a:schemeClr>
+            </a:gs>
+            <a:gs pos="53000">
+              <a:schemeClr val="phClr">
+                <a:tint val="71000"/>
+                <a:satMod val="112000"/>
+              </a:schemeClr>
+            </a:gs>
+            <a:gs pos="68000">
+              <a:schemeClr val="phClr">
+                <a:tint val="86000"/>
               </a:schemeClr>
             </a:gs>
             <a:gs pos="100000">
               <a:schemeClr val="phClr">
-                <a:shade val="94000"/>
-                <a:satMod val="135000"/>
+                <a:shade val="60000"/>
               </a:schemeClr>
             </a:gs>
           </a:gsLst>
-          <a:lin ang="16200000" scaled="0"/>
+          <a:lin ang="8350000" scaled="1"/>
         </a:gradFill>
       </a:fillStyleLst>
       <a:lnStyleLst>
         <a:ln w="9525" cap="flat" cmpd="sng" algn="ctr">
           <a:solidFill>
             <a:schemeClr val="phClr">
-              <a:shade val="95000"/>
-              <a:satMod val="105000"/>
+              <a:shade val="48000"/>
+              <a:satMod val="110000"/>
             </a:schemeClr>
           </a:solidFill>
           <a:prstDash val="solid"/>
@@ -4139,16 +4549,7 @@
       <a:effectStyleLst>
         <a:effectStyle>
           <a:effectLst>
-            <a:outerShdw blurRad="40000" dist="20000" dir="5400000" rotWithShape="0">
-              <a:srgbClr val="000000">
-                <a:alpha val="38000"/>
-              </a:srgbClr>
-            </a:outerShdw>
-          </a:effectLst>
-        </a:effectStyle>
-        <a:effectStyle>
-          <a:effectLst>
-            <a:outerShdw blurRad="40000" dist="23000" dir="5400000" rotWithShape="0">
+            <a:outerShdw blurRad="130000" dist="101600" dir="2700000" algn="tl" rotWithShape="0">
               <a:srgbClr val="000000">
                 <a:alpha val="35000"/>
               </a:srgbClr>
@@ -4157,22 +4558,31 @@
         </a:effectStyle>
         <a:effectStyle>
           <a:effectLst>
-            <a:outerShdw blurRad="40000" dist="23000" dir="5400000" rotWithShape="0">
+            <a:outerShdw blurRad="190500" dist="228600" dir="2700000" sy="90000" rotWithShape="0">
               <a:srgbClr val="000000">
-                <a:alpha val="35000"/>
+                <a:alpha val="25500"/>
+              </a:srgbClr>
+            </a:outerShdw>
+          </a:effectLst>
+        </a:effectStyle>
+        <a:effectStyle>
+          <a:effectLst>
+            <a:outerShdw blurRad="190500" dist="228600" dir="2700000" sy="90000" rotWithShape="0">
+              <a:srgbClr val="000000">
+                <a:alpha val="25500"/>
               </a:srgbClr>
             </a:outerShdw>
           </a:effectLst>
           <a:scene3d>
-            <a:camera prst="orthographicFront">
+            <a:camera prst="orthographicFront" fov="0">
               <a:rot lat="0" lon="0" rev="0"/>
             </a:camera>
-            <a:lightRig rig="threePt" dir="t">
-              <a:rot lat="0" lon="0" rev="1200000"/>
+            <a:lightRig rig="soft" dir="tl">
+              <a:rot lat="0" lon="0" rev="20100000"/>
             </a:lightRig>
           </a:scene3d>
           <a:sp3d>
-            <a:bevelT w="63500" h="25400"/>
+            <a:bevelT w="50800" h="50800"/>
           </a:sp3d>
         </a:effectStyle>
       </a:effectStyleLst>
@@ -4184,47 +4594,38 @@
           <a:gsLst>
             <a:gs pos="0">
               <a:schemeClr val="phClr">
-                <a:tint val="40000"/>
-                <a:satMod val="350000"/>
-              </a:schemeClr>
-            </a:gs>
-            <a:gs pos="40000">
-              <a:schemeClr val="phClr">
-                <a:tint val="45000"/>
-                <a:shade val="99000"/>
-                <a:satMod val="350000"/>
+                <a:tint val="50000"/>
+                <a:satMod val="180000"/>
               </a:schemeClr>
             </a:gs>
             <a:gs pos="100000">
               <a:schemeClr val="phClr">
-                <a:shade val="20000"/>
-                <a:satMod val="255000"/>
+                <a:shade val="45000"/>
+                <a:satMod val="120000"/>
               </a:schemeClr>
             </a:gs>
           </a:gsLst>
           <a:path path="circle">
-            <a:fillToRect l="50000" t="-80000" r="50000" b="180000"/>
+            <a:fillToRect r="100000" b="100000"/>
           </a:path>
         </a:gradFill>
-        <a:gradFill rotWithShape="1">
-          <a:gsLst>
-            <a:gs pos="0">
+        <a:blipFill>
+          <a:blip xmlns:r="http://schemas.openxmlformats.org/officeDocument/2006/relationships" r:embed="rId1">
+            <a:duotone>
               <a:schemeClr val="phClr">
-                <a:tint val="80000"/>
-                <a:satMod val="300000"/>
+                <a:shade val="3000"/>
+                <a:satMod val="110000"/>
               </a:schemeClr>
-            </a:gs>
-            <a:gs pos="100000">
               <a:schemeClr val="phClr">
-                <a:shade val="30000"/>
-                <a:satMod val="200000"/>
+                <a:tint val="60000"/>
+                <a:satMod val="425000"/>
               </a:schemeClr>
-            </a:gs>
-          </a:gsLst>
-          <a:path path="circle">
-            <a:fillToRect l="50000" t="50000" r="50000" b="50000"/>
-          </a:path>
-        </a:gradFill>
+            </a:duotone>
+          </a:blip>
+          <a:stretch>
+            <a:fillRect/>
+          </a:stretch>
+        </a:blipFill>
       </a:bgFillStyleLst>
     </a:fmtScheme>
   </a:themeElements>

--- a/Hack-a-Trip/HACK-A-TRIP.pptx
+++ b/Hack-a-Trip/HACK-A-TRIP.pptx
@@ -1,6 +1,6 @@
 
 <file path=ppt/presentation.xml><?xml version="1.0" encoding="utf-8"?>
-<p:presentation xmlns:a="http://schemas.openxmlformats.org/drawingml/2006/main" xmlns:r="http://schemas.openxmlformats.org/officeDocument/2006/relationships" xmlns:p="http://schemas.openxmlformats.org/presentationml/2006/main" saveSubsetFonts="1">
+<p:presentation xmlns:a="http://schemas.openxmlformats.org/drawingml/2006/main" xmlns:r="http://schemas.openxmlformats.org/officeDocument/2006/relationships" xmlns:p="http://schemas.openxmlformats.org/presentationml/2006/main" serverZoom="28125" saveSubsetFonts="1">
   <p:sldMasterIdLst>
     <p:sldMasterId id="2147483708" r:id="rId1"/>
   </p:sldMasterIdLst>
@@ -3239,7 +3239,7 @@
       </p:sp>
       <p:pic>
         <p:nvPicPr>
-          <p:cNvPr id="1027" name="Picture 3" descr="C:\Users\USER\Pictures\dog-in-an-office.jpg"/>
+          <p:cNvPr id="1028" name="Picture 4" descr="C:\Users\USER\Pictures\I-heard-hes-good-at-coding-l.jpg"/>
           <p:cNvPicPr>
             <a:picLocks noChangeAspect="1" noChangeArrowheads="1"/>
           </p:cNvPicPr>
@@ -3247,47 +3247,6 @@
         </p:nvPicPr>
         <p:blipFill>
           <a:blip r:embed="rId3">
-            <a:extLst>
-              <a:ext uri="{28A0092B-C50C-407E-A947-70E740481C1C}">
-                <a14:useLocalDpi xmlns:a14="http://schemas.microsoft.com/office/drawing/2010/main" val="0"/>
-              </a:ext>
-            </a:extLst>
-          </a:blip>
-          <a:srcRect/>
-          <a:stretch>
-            <a:fillRect/>
-          </a:stretch>
-        </p:blipFill>
-        <p:spPr bwMode="auto">
-          <a:xfrm>
-            <a:off x="6888722" y="617217"/>
-            <a:ext cx="1840292" cy="1225872"/>
-          </a:xfrm>
-          <a:prstGeom prst="rect">
-            <a:avLst/>
-          </a:prstGeom>
-          <a:noFill/>
-          <a:extLst>
-            <a:ext uri="{909E8E84-426E-40DD-AFC4-6F175D3DCCD1}">
-              <a14:hiddenFill xmlns:a14="http://schemas.microsoft.com/office/drawing/2010/main">
-                <a:solidFill>
-                  <a:srgbClr val="FFFFFF"/>
-                </a:solidFill>
-              </a14:hiddenFill>
-            </a:ext>
-          </a:extLst>
-        </p:spPr>
-      </p:pic>
-      <p:pic>
-        <p:nvPicPr>
-          <p:cNvPr id="1028" name="Picture 4" descr="C:\Users\USER\Pictures\I-heard-hes-good-at-coding-l.jpg"/>
-          <p:cNvPicPr>
-            <a:picLocks noChangeAspect="1" noChangeArrowheads="1"/>
-          </p:cNvPicPr>
-          <p:nvPr/>
-        </p:nvPicPr>
-        <p:blipFill>
-          <a:blip r:embed="rId4">
             <a:extLst>
               <a:ext uri="{28A0092B-C50C-407E-A947-70E740481C1C}">
                 <a14:useLocalDpi xmlns:a14="http://schemas.microsoft.com/office/drawing/2010/main" val="0"/>
@@ -3358,7 +3317,7 @@
           <p:nvPr/>
         </p:nvPicPr>
         <p:blipFill>
-          <a:blip r:embed="rId5">
+          <a:blip r:embed="rId4">
             <a:extLst>
               <a:ext uri="{28A0092B-C50C-407E-A947-70E740481C1C}">
                 <a14:useLocalDpi xmlns:a14="http://schemas.microsoft.com/office/drawing/2010/main" val="0"/>
@@ -3374,6 +3333,47 @@
           <a:xfrm>
             <a:off x="337533" y="4758985"/>
             <a:ext cx="1840649" cy="1225872"/>
+          </a:xfrm>
+          <a:prstGeom prst="rect">
+            <a:avLst/>
+          </a:prstGeom>
+          <a:noFill/>
+          <a:extLst>
+            <a:ext uri="{909E8E84-426E-40DD-AFC4-6F175D3DCCD1}">
+              <a14:hiddenFill xmlns:a14="http://schemas.microsoft.com/office/drawing/2010/main">
+                <a:solidFill>
+                  <a:srgbClr val="FFFFFF"/>
+                </a:solidFill>
+              </a14:hiddenFill>
+            </a:ext>
+          </a:extLst>
+        </p:spPr>
+      </p:pic>
+      <p:pic>
+        <p:nvPicPr>
+          <p:cNvPr id="8" name="Picture 2" descr="C:\Users\USER\Pictures\IMG_29112013_144026.png"/>
+          <p:cNvPicPr>
+            <a:picLocks noChangeAspect="1" noChangeArrowheads="1"/>
+          </p:cNvPicPr>
+          <p:nvPr/>
+        </p:nvPicPr>
+        <p:blipFill>
+          <a:blip r:embed="rId5">
+            <a:extLst>
+              <a:ext uri="{28A0092B-C50C-407E-A947-70E740481C1C}">
+                <a14:useLocalDpi xmlns:a14="http://schemas.microsoft.com/office/drawing/2010/main" val="0"/>
+              </a:ext>
+            </a:extLst>
+          </a:blip>
+          <a:srcRect/>
+          <a:stretch>
+            <a:fillRect/>
+          </a:stretch>
+        </p:blipFill>
+        <p:spPr bwMode="auto">
+          <a:xfrm>
+            <a:off x="6851916" y="617218"/>
+            <a:ext cx="1810665" cy="1225871"/>
           </a:xfrm>
           <a:prstGeom prst="rect">
             <a:avLst/>
@@ -3446,11 +3446,7 @@
           <a:p>
             <a:r>
               <a:rPr lang="fr-FR" dirty="0" smtClean="0"/>
-              <a:t>Principe de fonctionnement (</a:t>
-            </a:r>
-            <a:r>
-              <a:rPr lang="fr-FR" dirty="0" smtClean="0"/>
-              <a:t>1/2)</a:t>
+              <a:t>Principe de fonctionnement (1/2)</a:t>
             </a:r>
             <a:endParaRPr lang="fr-FR" dirty="0"/>
           </a:p>
@@ -3478,11 +3474,7 @@
             </a:pPr>
             <a:r>
               <a:rPr lang="fr-FR" b="1" u="sng" dirty="0" smtClean="0"/>
-              <a:t>Log </a:t>
-            </a:r>
-            <a:r>
-              <a:rPr lang="fr-FR" b="1" u="sng" dirty="0" smtClean="0"/>
-              <a:t>In :</a:t>
+              <a:t>Log In :</a:t>
             </a:r>
           </a:p>
           <a:p>
@@ -3492,11 +3484,7 @@
             </a:pPr>
             <a:r>
               <a:rPr lang="fr-FR" sz="2000" dirty="0" smtClean="0"/>
-              <a:t>Cliquez </a:t>
-            </a:r>
-            <a:r>
-              <a:rPr lang="fr-FR" sz="2000" dirty="0" smtClean="0"/>
-              <a:t>sur « log in». Une adresse </a:t>
+              <a:t>Cliquez sur « log in». Une adresse </a:t>
             </a:r>
             <a:r>
               <a:rPr lang="fr-FR" sz="2000" dirty="0" err="1" smtClean="0"/>
@@ -3508,11 +3496,7 @@
             </a:r>
             <a:r>
               <a:rPr lang="fr-FR" sz="2000" dirty="0" smtClean="0"/>
-              <a:t>vous sera </a:t>
-            </a:r>
-            <a:r>
-              <a:rPr lang="fr-FR" sz="2000" dirty="0" smtClean="0"/>
-              <a:t>demandé</a:t>
+              <a:t>vous sera demandé</a:t>
             </a:r>
             <a:endParaRPr lang="fr-FR" sz="2000" dirty="0"/>
           </a:p>
@@ -3522,11 +3506,7 @@
             </a:pPr>
             <a:r>
               <a:rPr lang="fr-FR" b="1" u="sng" dirty="0" smtClean="0"/>
-              <a:t>Créer </a:t>
-            </a:r>
-            <a:r>
-              <a:rPr lang="fr-FR" b="1" u="sng" dirty="0" smtClean="0"/>
-              <a:t>un voyage :</a:t>
+              <a:t>Créer un voyage :</a:t>
             </a:r>
           </a:p>
           <a:p>
@@ -3554,11 +3534,7 @@
             </a:pPr>
             <a:r>
               <a:rPr lang="fr-FR" sz="2000" dirty="0" smtClean="0"/>
-              <a:t>Remplir les champs du </a:t>
-            </a:r>
-            <a:r>
-              <a:rPr lang="fr-FR" sz="2000" dirty="0" smtClean="0"/>
-              <a:t>formulaire</a:t>
+              <a:t>Remplir les champs du formulaire</a:t>
             </a:r>
           </a:p>
           <a:p>
@@ -3567,11 +3543,7 @@
             </a:pPr>
             <a:r>
               <a:rPr lang="fr-FR" b="1" u="sng" dirty="0" smtClean="0"/>
-              <a:t>Ajouter </a:t>
-            </a:r>
-            <a:r>
-              <a:rPr lang="fr-FR" b="1" u="sng" dirty="0" smtClean="0"/>
-              <a:t>des amis :</a:t>
+              <a:t>Ajouter des amis :</a:t>
             </a:r>
           </a:p>
           <a:p>
@@ -3599,13 +3571,8 @@
             </a:pPr>
             <a:r>
               <a:rPr lang="fr-FR" sz="2000" dirty="0" smtClean="0"/>
-              <a:t>Un e-mail contenant l’url de la page lui sera automatiquement envoyé pour le </a:t>
-            </a:r>
-            <a:r>
-              <a:rPr lang="fr-FR" sz="2000" dirty="0" smtClean="0"/>
-              <a:t>prévenir</a:t>
-            </a:r>
-            <a:endParaRPr lang="fr-FR" sz="2000" dirty="0" smtClean="0"/>
+              <a:t>Un e-mail contenant l’url de la page lui sera automatiquement envoyé pour le prévenir</a:t>
+            </a:r>
           </a:p>
           <a:p>
             <a:pPr marL="0" indent="0">
@@ -3671,11 +3638,7 @@
           <a:p>
             <a:r>
               <a:rPr lang="fr-FR" dirty="0" smtClean="0"/>
-              <a:t>Principe de fonctionnement (</a:t>
-            </a:r>
-            <a:r>
-              <a:rPr lang="fr-FR" dirty="0" smtClean="0"/>
-              <a:t>2/2)</a:t>
+              <a:t>Principe de fonctionnement (2/2)</a:t>
             </a:r>
             <a:endParaRPr lang="fr-FR" dirty="0"/>
           </a:p>
@@ -3745,11 +3708,7 @@
             </a:pPr>
             <a:r>
               <a:rPr lang="fr-FR" b="1" u="sng" dirty="0" smtClean="0"/>
-              <a:t>Poster </a:t>
-            </a:r>
-            <a:r>
-              <a:rPr lang="fr-FR" b="1" u="sng" dirty="0" smtClean="0"/>
-              <a:t>un commentaire :</a:t>
+              <a:t>Poster un commentaire :</a:t>
             </a:r>
           </a:p>
           <a:p>
@@ -3758,11 +3717,7 @@
             </a:pPr>
             <a:r>
               <a:rPr lang="fr-FR" sz="2000" dirty="0" smtClean="0"/>
-              <a:t>Ça fait jolie mais ça marche pas </a:t>
-            </a:r>
-            <a:r>
-              <a:rPr lang="fr-FR" sz="2000" dirty="0" smtClean="0"/>
-              <a:t>vraiment</a:t>
+              <a:t>Ça fait jolie mais ça marche pas vraiment</a:t>
             </a:r>
           </a:p>
           <a:p>
@@ -3777,13 +3732,8 @@
             </a:pPr>
             <a:r>
               <a:rPr lang="fr-FR" b="1" u="sng" dirty="0" smtClean="0"/>
-              <a:t>Voir les détails </a:t>
-            </a:r>
-            <a:r>
-              <a:rPr lang="fr-FR" b="1" u="sng" dirty="0" smtClean="0"/>
-              <a:t>des offres :</a:t>
-            </a:r>
-            <a:endParaRPr lang="fr-FR" b="1" u="sng" dirty="0" smtClean="0"/>
+              <a:t>Voir les détails des offres :</a:t>
+            </a:r>
           </a:p>
           <a:p>
             <a:pPr>
@@ -3917,11 +3867,7 @@
           <a:p>
             <a:r>
               <a:rPr lang="fr-FR" dirty="0" smtClean="0"/>
-              <a:t>Limite (</a:t>
-            </a:r>
-            <a:r>
-              <a:rPr lang="fr-FR" dirty="0" smtClean="0"/>
-              <a:t>1/1)</a:t>
+              <a:t>Limite (1/1)</a:t>
             </a:r>
             <a:endParaRPr lang="fr-FR" dirty="0"/>
           </a:p>
@@ -4017,7 +3963,6 @@
               <a:rPr lang="fr-FR" sz="2000" dirty="0" smtClean="0"/>
               <a:t>On peut créer un voyage avec un nom de ville qui n’existe pas. Ca ne génèrera pas d’erreur mais ça ne sert à rien</a:t>
             </a:r>
-            <a:endParaRPr lang="fr-FR" sz="2000" dirty="0" smtClean="0"/>
           </a:p>
         </p:txBody>
       </p:sp>
@@ -4077,11 +4022,7 @@
           <a:p>
             <a:r>
               <a:rPr lang="fr-FR" dirty="0" smtClean="0"/>
-              <a:t>Extensions (</a:t>
-            </a:r>
-            <a:r>
-              <a:rPr lang="fr-FR" dirty="0" smtClean="0"/>
-              <a:t>1/1)</a:t>
+              <a:t>Extensions (1/1)</a:t>
             </a:r>
             <a:endParaRPr lang="fr-FR" dirty="0"/>
           </a:p>
@@ -4139,11 +4080,7 @@
             </a:pPr>
             <a:r>
               <a:rPr lang="fr-FR" sz="2000" dirty="0" smtClean="0"/>
-              <a:t>La recherche de logement se ferait alors selon le nouveau budget</a:t>
-            </a:r>
-            <a:r>
-              <a:rPr lang="fr-FR" sz="2000" dirty="0" smtClean="0"/>
-              <a:t>.</a:t>
+              <a:t>La recherche de logement se ferait alors selon le nouveau budget.</a:t>
             </a:r>
           </a:p>
           <a:p>
@@ -4229,11 +4166,7 @@
           <a:p>
             <a:r>
               <a:rPr lang="fr-FR" dirty="0" smtClean="0"/>
-              <a:t>Problème rencontré (</a:t>
-            </a:r>
-            <a:r>
-              <a:rPr lang="fr-FR" dirty="0" smtClean="0"/>
-              <a:t>1/1)</a:t>
+              <a:t>Problème rencontré (1/1)</a:t>
             </a:r>
             <a:endParaRPr lang="fr-FR" dirty="0"/>
           </a:p>
